--- a/day1.pptx
+++ b/day1.pptx
@@ -3467,7 +3467,7 @@
             </a:pPr>
             <a:r>
               <a:rPr/>
-              <a:t>Slide</a:t>
+              <a:t>Simpson’s</a:t>
             </a:r>
             <a:r>
               <a:rPr/>
@@ -3475,40 +3475,41 @@
             </a:r>
             <a:r>
               <a:rPr/>
-              <a:t>with</a:t>
-            </a:r>
+              <a:t>Paradox</a:t>
+            </a:r>
+          </a:p>
+        </p:txBody>
+      </p:sp>
+      <p:sp>
+        <p:nvSpPr>
+          <p:cNvPr id="3" name="Content Placeholder 2"/>
+          <p:cNvSpPr>
+            <a:spLocks noGrp="1"/>
+          </p:cNvSpPr>
+          <p:nvPr>
+            <p:ph idx="1"/>
+          </p:nvPr>
+        </p:nvSpPr>
+        <p:spPr/>
+        <p:txBody>
+          <a:bodyPr/>
+          <a:lstStyle/>
+          <a:p>
+            <a:pPr lvl="0" marL="0" indent="0">
+              <a:buNone/>
+            </a:pPr>
             <a:r>
               <a:rPr/>
-              <a:t> </a:t>
-            </a:r>
+              <a:t>Let us check from the live example from the simulated dataset. </a:t>
+            </a:r>
+          </a:p>
+          <a:p>
+            <a:pPr lvl="0" marL="0" indent="0">
+              <a:buNone/>
+            </a:pPr>
             <a:r>
               <a:rPr/>
-              <a:t>Bullets</a:t>
-            </a:r>
-          </a:p>
-        </p:txBody>
-      </p:sp>
-      <p:sp>
-        <p:nvSpPr>
-          <p:cNvPr id="3" name="Content Placeholder 2"/>
-          <p:cNvSpPr>
-            <a:spLocks noGrp="1"/>
-          </p:cNvSpPr>
-          <p:nvPr>
-            <p:ph idx="1"/>
-          </p:nvPr>
-        </p:nvSpPr>
-        <p:spPr/>
-        <p:txBody>
-          <a:bodyPr/>
-          <a:lstStyle/>
-          <a:p>
-            <a:pPr lvl="0" marL="0" indent="0">
-              <a:buNone/>
-            </a:pPr>
-            <a:r>
-              <a:rPr/>
-              <a:t>load(“C:/Users/chand/Documents/R-advance/Advance-R/data/dragons.RData”) - Bullet 1 - Bullet 2 - Bullet 3</a:t>
+              <a:t>#load(“C:/Users/chand/Documents/R-advance/Advance-R/data/dragons.RData”) - Bullet 1 - Bullet 2 - Bullet 3</a:t>
             </a:r>
           </a:p>
         </p:txBody>

--- a/day1.pptx
+++ b/day1.pptx
@@ -10,8 +10,11 @@
     <p:sldId id="258" r:id="rId4"/>
     <p:sldId id="259" r:id="rId5"/>
     <p:sldId id="260" r:id="rId6"/>
+    <p:sldId id="261" r:id="rId7"/>
+    <p:sldId id="262" r:id="rId8"/>
+    <p:sldId id="263" r:id="rId9"/>
   </p:sldIdLst>
-  <p:sldSz cx="9144000" cy="6858000" type="screen4x3"/>
+  <p:sldSz cx="9144000" cy="5143500" type="screen16x9"/>
   <p:notesSz cx="6858000" cy="9144000"/>
   <p:defaultTextStyle>
     <a:defPPr>
@@ -111,12 +114,12 @@
   <p:extLst>
     <p:ext uri="{EFAFB233-063F-42B5-8137-9DF3F51BA10A}">
       <p15:sldGuideLst xmlns:p15="http://schemas.microsoft.com/office/powerpoint/2012/main">
-        <p15:guide id="1" orient="horz" pos="2160">
+        <p15:guide id="1" orient="horz" pos="1620" userDrawn="1">
           <p15:clr>
             <a:srgbClr val="A4A3A4"/>
           </p15:clr>
         </p15:guide>
-        <p15:guide id="2" pos="2880">
+        <p15:guide id="2" pos="2880" userDrawn="1">
           <p15:clr>
             <a:srgbClr val="A4A3A4"/>
           </p15:clr>
@@ -156,8 +159,8 @@
         </p:nvSpPr>
         <p:spPr>
           <a:xfrm>
-            <a:off x="685800" y="2130425"/>
-            <a:ext cx="7772400" cy="1470025"/>
+            <a:off x="685800" y="1597819"/>
+            <a:ext cx="7772400" cy="1102519"/>
           </a:xfrm>
         </p:spPr>
         <p:txBody>
@@ -165,10 +168,9 @@
           <a:lstStyle/>
           <a:p>
             <a:r>
-              <a:rPr lang="en-US" smtClean="0"/>
+              <a:rPr lang="en-US"/>
               <a:t>Click to edit Master title style</a:t>
             </a:r>
-            <a:endParaRPr lang="en-US"/>
           </a:p>
         </p:txBody>
       </p:sp>
@@ -184,8 +186,8 @@
         </p:nvSpPr>
         <p:spPr>
           <a:xfrm>
-            <a:off x="1371600" y="3886200"/>
-            <a:ext cx="6400800" cy="1752600"/>
+            <a:off x="1371600" y="2914650"/>
+            <a:ext cx="6400800" cy="1314450"/>
           </a:xfrm>
         </p:spPr>
         <p:txBody>
@@ -201,7 +203,7 @@
                 </a:solidFill>
               </a:defRPr>
             </a:lvl1pPr>
-            <a:lvl2pPr marL="457200" indent="0" algn="ctr">
+            <a:lvl2pPr marL="342900" indent="0" algn="ctr">
               <a:buNone/>
               <a:defRPr>
                 <a:solidFill>
@@ -211,7 +213,7 @@
                 </a:solidFill>
               </a:defRPr>
             </a:lvl2pPr>
-            <a:lvl3pPr marL="914400" indent="0" algn="ctr">
+            <a:lvl3pPr marL="685800" indent="0" algn="ctr">
               <a:buNone/>
               <a:defRPr>
                 <a:solidFill>
@@ -221,7 +223,7 @@
                 </a:solidFill>
               </a:defRPr>
             </a:lvl3pPr>
-            <a:lvl4pPr marL="1371600" indent="0" algn="ctr">
+            <a:lvl4pPr marL="1028700" indent="0" algn="ctr">
               <a:buNone/>
               <a:defRPr>
                 <a:solidFill>
@@ -231,7 +233,7 @@
                 </a:solidFill>
               </a:defRPr>
             </a:lvl4pPr>
-            <a:lvl5pPr marL="1828800" indent="0" algn="ctr">
+            <a:lvl5pPr marL="1371600" indent="0" algn="ctr">
               <a:buNone/>
               <a:defRPr>
                 <a:solidFill>
@@ -241,7 +243,7 @@
                 </a:solidFill>
               </a:defRPr>
             </a:lvl5pPr>
-            <a:lvl6pPr marL="2286000" indent="0" algn="ctr">
+            <a:lvl6pPr marL="1714500" indent="0" algn="ctr">
               <a:buNone/>
               <a:defRPr>
                 <a:solidFill>
@@ -251,7 +253,7 @@
                 </a:solidFill>
               </a:defRPr>
             </a:lvl6pPr>
-            <a:lvl7pPr marL="2743200" indent="0" algn="ctr">
+            <a:lvl7pPr marL="2057400" indent="0" algn="ctr">
               <a:buNone/>
               <a:defRPr>
                 <a:solidFill>
@@ -261,7 +263,7 @@
                 </a:solidFill>
               </a:defRPr>
             </a:lvl7pPr>
-            <a:lvl8pPr marL="3200400" indent="0" algn="ctr">
+            <a:lvl8pPr marL="2400300" indent="0" algn="ctr">
               <a:buNone/>
               <a:defRPr>
                 <a:solidFill>
@@ -271,7 +273,7 @@
                 </a:solidFill>
               </a:defRPr>
             </a:lvl8pPr>
-            <a:lvl9pPr marL="3657600" indent="0" algn="ctr">
+            <a:lvl9pPr marL="2743200" indent="0" algn="ctr">
               <a:buNone/>
               <a:defRPr>
                 <a:solidFill>
@@ -284,10 +286,9 @@
           </a:lstStyle>
           <a:p>
             <a:r>
-              <a:rPr lang="en-US" smtClean="0"/>
+              <a:rPr lang="en-US"/>
               <a:t>Click to edit Master subtitle style</a:t>
             </a:r>
-            <a:endParaRPr lang="en-US"/>
           </a:p>
         </p:txBody>
       </p:sp>
@@ -308,7 +309,7 @@
           <a:p>
             <a:fld id="{241EB5C9-1307-BA42-ABA2-0BC069CD8E7F}" type="datetimeFigureOut">
               <a:rPr lang="en-US" smtClean="0"/>
-              <a:t>4/5/2019</a:t>
+              <a:t>1/2/22</a:t>
             </a:fld>
             <a:endParaRPr lang="en-US"/>
           </a:p>
@@ -402,10 +403,9 @@
           <a:lstStyle/>
           <a:p>
             <a:r>
-              <a:rPr lang="en-US" smtClean="0"/>
+              <a:rPr lang="en-US"/>
               <a:t>Click to edit Master title style</a:t>
             </a:r>
-            <a:endParaRPr lang="en-US"/>
           </a:p>
         </p:txBody>
       </p:sp>
@@ -426,38 +426,37 @@
           <a:p>
             <a:pPr lvl="0"/>
             <a:r>
-              <a:rPr lang="en-US" smtClean="0"/>
+              <a:rPr lang="en-US"/>
               <a:t>Click to edit Master text styles</a:t>
             </a:r>
           </a:p>
           <a:p>
             <a:pPr lvl="1"/>
             <a:r>
-              <a:rPr lang="en-US" smtClean="0"/>
+              <a:rPr lang="en-US"/>
               <a:t>Second level</a:t>
             </a:r>
           </a:p>
           <a:p>
             <a:pPr lvl="2"/>
             <a:r>
-              <a:rPr lang="en-US" smtClean="0"/>
+              <a:rPr lang="en-US"/>
               <a:t>Third level</a:t>
             </a:r>
           </a:p>
           <a:p>
             <a:pPr lvl="3"/>
             <a:r>
-              <a:rPr lang="en-US" smtClean="0"/>
+              <a:rPr lang="en-US"/>
               <a:t>Fourth level</a:t>
             </a:r>
           </a:p>
           <a:p>
             <a:pPr lvl="4"/>
             <a:r>
-              <a:rPr lang="en-US" smtClean="0"/>
+              <a:rPr lang="en-US"/>
               <a:t>Fifth level</a:t>
             </a:r>
-            <a:endParaRPr lang="en-US"/>
           </a:p>
         </p:txBody>
       </p:sp>
@@ -478,7 +477,7 @@
           <a:p>
             <a:fld id="{241EB5C9-1307-BA42-ABA2-0BC069CD8E7F}" type="datetimeFigureOut">
               <a:rPr lang="en-US" smtClean="0"/>
-              <a:t>4/5/2019</a:t>
+              <a:t>1/2/22</a:t>
             </a:fld>
             <a:endParaRPr lang="en-US"/>
           </a:p>
@@ -568,8 +567,8 @@
         </p:nvSpPr>
         <p:spPr>
           <a:xfrm>
-            <a:off x="6629400" y="274638"/>
-            <a:ext cx="2057400" cy="5851525"/>
+            <a:off x="6629400" y="205979"/>
+            <a:ext cx="2057400" cy="4388644"/>
           </a:xfrm>
         </p:spPr>
         <p:txBody>
@@ -577,10 +576,9 @@
           <a:lstStyle/>
           <a:p>
             <a:r>
-              <a:rPr lang="en-US" smtClean="0"/>
+              <a:rPr lang="en-US"/>
               <a:t>Click to edit Master title style</a:t>
             </a:r>
-            <a:endParaRPr lang="en-US"/>
           </a:p>
         </p:txBody>
       </p:sp>
@@ -596,8 +594,8 @@
         </p:nvSpPr>
         <p:spPr>
           <a:xfrm>
-            <a:off x="457200" y="274638"/>
-            <a:ext cx="6019800" cy="5851525"/>
+            <a:off x="457200" y="205979"/>
+            <a:ext cx="6019800" cy="4388644"/>
           </a:xfrm>
         </p:spPr>
         <p:txBody>
@@ -606,38 +604,37 @@
           <a:p>
             <a:pPr lvl="0"/>
             <a:r>
-              <a:rPr lang="en-US" smtClean="0"/>
+              <a:rPr lang="en-US"/>
               <a:t>Click to edit Master text styles</a:t>
             </a:r>
           </a:p>
           <a:p>
             <a:pPr lvl="1"/>
             <a:r>
-              <a:rPr lang="en-US" smtClean="0"/>
+              <a:rPr lang="en-US"/>
               <a:t>Second level</a:t>
             </a:r>
           </a:p>
           <a:p>
             <a:pPr lvl="2"/>
             <a:r>
-              <a:rPr lang="en-US" smtClean="0"/>
+              <a:rPr lang="en-US"/>
               <a:t>Third level</a:t>
             </a:r>
           </a:p>
           <a:p>
             <a:pPr lvl="3"/>
             <a:r>
-              <a:rPr lang="en-US" smtClean="0"/>
+              <a:rPr lang="en-US"/>
               <a:t>Fourth level</a:t>
             </a:r>
           </a:p>
           <a:p>
             <a:pPr lvl="4"/>
             <a:r>
-              <a:rPr lang="en-US" smtClean="0"/>
+              <a:rPr lang="en-US"/>
               <a:t>Fifth level</a:t>
             </a:r>
-            <a:endParaRPr lang="en-US"/>
           </a:p>
         </p:txBody>
       </p:sp>
@@ -658,7 +655,7 @@
           <a:p>
             <a:fld id="{241EB5C9-1307-BA42-ABA2-0BC069CD8E7F}" type="datetimeFigureOut">
               <a:rPr lang="en-US" smtClean="0"/>
-              <a:t>4/5/2019</a:t>
+              <a:t>1/2/22</a:t>
             </a:fld>
             <a:endParaRPr lang="en-US"/>
           </a:p>
@@ -752,10 +749,9 @@
           <a:lstStyle/>
           <a:p>
             <a:r>
-              <a:rPr lang="en-US" smtClean="0"/>
+              <a:rPr lang="en-US"/>
               <a:t>Click to edit Master title style</a:t>
             </a:r>
-            <a:endParaRPr lang="en-US"/>
           </a:p>
         </p:txBody>
       </p:sp>
@@ -776,38 +772,37 @@
           <a:p>
             <a:pPr lvl="0"/>
             <a:r>
-              <a:rPr lang="en-US" smtClean="0"/>
+              <a:rPr lang="en-US"/>
               <a:t>Click to edit Master text styles</a:t>
             </a:r>
           </a:p>
           <a:p>
             <a:pPr lvl="1"/>
             <a:r>
-              <a:rPr lang="en-US" smtClean="0"/>
+              <a:rPr lang="en-US"/>
               <a:t>Second level</a:t>
             </a:r>
           </a:p>
           <a:p>
             <a:pPr lvl="2"/>
             <a:r>
-              <a:rPr lang="en-US" smtClean="0"/>
+              <a:rPr lang="en-US"/>
               <a:t>Third level</a:t>
             </a:r>
           </a:p>
           <a:p>
             <a:pPr lvl="3"/>
             <a:r>
-              <a:rPr lang="en-US" smtClean="0"/>
+              <a:rPr lang="en-US"/>
               <a:t>Fourth level</a:t>
             </a:r>
           </a:p>
           <a:p>
             <a:pPr lvl="4"/>
             <a:r>
-              <a:rPr lang="en-US" smtClean="0"/>
+              <a:rPr lang="en-US"/>
               <a:t>Fifth level</a:t>
             </a:r>
-            <a:endParaRPr lang="en-US"/>
           </a:p>
         </p:txBody>
       </p:sp>
@@ -828,7 +823,7 @@
           <a:p>
             <a:fld id="{241EB5C9-1307-BA42-ABA2-0BC069CD8E7F}" type="datetimeFigureOut">
               <a:rPr lang="en-US" smtClean="0"/>
-              <a:t>4/5/2019</a:t>
+              <a:t>1/2/22</a:t>
             </a:fld>
             <a:endParaRPr lang="en-US"/>
           </a:p>
@@ -918,23 +913,22 @@
         </p:nvSpPr>
         <p:spPr>
           <a:xfrm>
-            <a:off x="722313" y="4406900"/>
-            <a:ext cx="7772400" cy="1362075"/>
+            <a:off x="722313" y="3305176"/>
+            <a:ext cx="7772400" cy="1021556"/>
           </a:xfrm>
         </p:spPr>
         <p:txBody>
           <a:bodyPr anchor="t"/>
           <a:lstStyle>
             <a:lvl1pPr algn="l">
-              <a:defRPr sz="4000" b="1" cap="all"/>
+              <a:defRPr sz="3000" b="1" cap="all"/>
             </a:lvl1pPr>
           </a:lstStyle>
           <a:p>
             <a:r>
-              <a:rPr lang="en-US" smtClean="0"/>
+              <a:rPr lang="en-US"/>
               <a:t>Click to edit Master title style</a:t>
             </a:r>
-            <a:endParaRPr lang="en-US"/>
           </a:p>
         </p:txBody>
       </p:sp>
@@ -950,8 +944,8 @@
         </p:nvSpPr>
         <p:spPr>
           <a:xfrm>
-            <a:off x="722313" y="2906713"/>
-            <a:ext cx="7772400" cy="1500187"/>
+            <a:off x="722313" y="2180035"/>
+            <a:ext cx="7772400" cy="1125140"/>
           </a:xfrm>
         </p:spPr>
         <p:txBody>
@@ -959,7 +953,7 @@
           <a:lstStyle>
             <a:lvl1pPr marL="0" indent="0">
               <a:buNone/>
-              <a:defRPr sz="2000">
+              <a:defRPr sz="1500">
                 <a:solidFill>
                   <a:schemeClr val="tx1">
                     <a:tint val="75000"/>
@@ -967,9 +961,9 @@
                 </a:solidFill>
               </a:defRPr>
             </a:lvl1pPr>
-            <a:lvl2pPr marL="457200" indent="0">
-              <a:buNone/>
-              <a:defRPr sz="1800">
+            <a:lvl2pPr marL="342900" indent="0">
+              <a:buNone/>
+              <a:defRPr sz="1350">
                 <a:solidFill>
                   <a:schemeClr val="tx1">
                     <a:tint val="75000"/>
@@ -977,9 +971,9 @@
                 </a:solidFill>
               </a:defRPr>
             </a:lvl2pPr>
-            <a:lvl3pPr marL="914400" indent="0">
-              <a:buNone/>
-              <a:defRPr sz="1600">
+            <a:lvl3pPr marL="685800" indent="0">
+              <a:buNone/>
+              <a:defRPr sz="1200">
                 <a:solidFill>
                   <a:schemeClr val="tx1">
                     <a:tint val="75000"/>
@@ -987,9 +981,9 @@
                 </a:solidFill>
               </a:defRPr>
             </a:lvl3pPr>
-            <a:lvl4pPr marL="1371600" indent="0">
-              <a:buNone/>
-              <a:defRPr sz="1400">
+            <a:lvl4pPr marL="1028700" indent="0">
+              <a:buNone/>
+              <a:defRPr sz="1050">
                 <a:solidFill>
                   <a:schemeClr val="tx1">
                     <a:tint val="75000"/>
@@ -997,9 +991,9 @@
                 </a:solidFill>
               </a:defRPr>
             </a:lvl4pPr>
-            <a:lvl5pPr marL="1828800" indent="0">
-              <a:buNone/>
-              <a:defRPr sz="1400">
+            <a:lvl5pPr marL="1371600" indent="0">
+              <a:buNone/>
+              <a:defRPr sz="1050">
                 <a:solidFill>
                   <a:schemeClr val="tx1">
                     <a:tint val="75000"/>
@@ -1007,9 +1001,9 @@
                 </a:solidFill>
               </a:defRPr>
             </a:lvl5pPr>
-            <a:lvl6pPr marL="2286000" indent="0">
-              <a:buNone/>
-              <a:defRPr sz="1400">
+            <a:lvl6pPr marL="1714500" indent="0">
+              <a:buNone/>
+              <a:defRPr sz="1050">
                 <a:solidFill>
                   <a:schemeClr val="tx1">
                     <a:tint val="75000"/>
@@ -1017,9 +1011,9 @@
                 </a:solidFill>
               </a:defRPr>
             </a:lvl6pPr>
-            <a:lvl7pPr marL="2743200" indent="0">
-              <a:buNone/>
-              <a:defRPr sz="1400">
+            <a:lvl7pPr marL="2057400" indent="0">
+              <a:buNone/>
+              <a:defRPr sz="1050">
                 <a:solidFill>
                   <a:schemeClr val="tx1">
                     <a:tint val="75000"/>
@@ -1027,9 +1021,9 @@
                 </a:solidFill>
               </a:defRPr>
             </a:lvl7pPr>
-            <a:lvl8pPr marL="3200400" indent="0">
-              <a:buNone/>
-              <a:defRPr sz="1400">
+            <a:lvl8pPr marL="2400300" indent="0">
+              <a:buNone/>
+              <a:defRPr sz="1050">
                 <a:solidFill>
                   <a:schemeClr val="tx1">
                     <a:tint val="75000"/>
@@ -1037,9 +1031,9 @@
                 </a:solidFill>
               </a:defRPr>
             </a:lvl8pPr>
-            <a:lvl9pPr marL="3657600" indent="0">
-              <a:buNone/>
-              <a:defRPr sz="1400">
+            <a:lvl9pPr marL="2743200" indent="0">
+              <a:buNone/>
+              <a:defRPr sz="1050">
                 <a:solidFill>
                   <a:schemeClr val="tx1">
                     <a:tint val="75000"/>
@@ -1051,7 +1045,7 @@
           <a:p>
             <a:pPr lvl="0"/>
             <a:r>
-              <a:rPr lang="en-US" smtClean="0"/>
+              <a:rPr lang="en-US"/>
               <a:t>Click to edit Master text styles</a:t>
             </a:r>
           </a:p>
@@ -1074,7 +1068,7 @@
           <a:p>
             <a:fld id="{241EB5C9-1307-BA42-ABA2-0BC069CD8E7F}" type="datetimeFigureOut">
               <a:rPr lang="en-US" smtClean="0"/>
-              <a:t>4/5/2019</a:t>
+              <a:t>1/2/22</a:t>
             </a:fld>
             <a:endParaRPr lang="en-US"/>
           </a:p>
@@ -1168,10 +1162,9 @@
           <a:lstStyle/>
           <a:p>
             <a:r>
-              <a:rPr lang="en-US" smtClean="0"/>
+              <a:rPr lang="en-US"/>
               <a:t>Click to edit Master title style</a:t>
             </a:r>
-            <a:endParaRPr lang="en-US"/>
           </a:p>
         </p:txBody>
       </p:sp>
@@ -1187,76 +1180,75 @@
         </p:nvSpPr>
         <p:spPr>
           <a:xfrm>
-            <a:off x="457200" y="1600200"/>
-            <a:ext cx="4038600" cy="4525963"/>
+            <a:off x="457200" y="1200151"/>
+            <a:ext cx="4038600" cy="3394472"/>
           </a:xfrm>
         </p:spPr>
         <p:txBody>
           <a:bodyPr/>
           <a:lstStyle>
             <a:lvl1pPr>
-              <a:defRPr sz="2800"/>
+              <a:defRPr sz="2100"/>
             </a:lvl1pPr>
             <a:lvl2pPr>
-              <a:defRPr sz="2400"/>
+              <a:defRPr sz="1800"/>
             </a:lvl2pPr>
             <a:lvl3pPr>
-              <a:defRPr sz="2000"/>
+              <a:defRPr sz="1500"/>
             </a:lvl3pPr>
             <a:lvl4pPr>
-              <a:defRPr sz="1800"/>
+              <a:defRPr sz="1350"/>
             </a:lvl4pPr>
             <a:lvl5pPr>
-              <a:defRPr sz="1800"/>
+              <a:defRPr sz="1350"/>
             </a:lvl5pPr>
             <a:lvl6pPr>
-              <a:defRPr sz="1800"/>
+              <a:defRPr sz="1350"/>
             </a:lvl6pPr>
             <a:lvl7pPr>
-              <a:defRPr sz="1800"/>
+              <a:defRPr sz="1350"/>
             </a:lvl7pPr>
             <a:lvl8pPr>
-              <a:defRPr sz="1800"/>
+              <a:defRPr sz="1350"/>
             </a:lvl8pPr>
             <a:lvl9pPr>
-              <a:defRPr sz="1800"/>
+              <a:defRPr sz="1350"/>
             </a:lvl9pPr>
           </a:lstStyle>
           <a:p>
             <a:pPr lvl="0"/>
             <a:r>
-              <a:rPr lang="en-US" smtClean="0"/>
+              <a:rPr lang="en-US"/>
               <a:t>Click to edit Master text styles</a:t>
             </a:r>
           </a:p>
           <a:p>
             <a:pPr lvl="1"/>
             <a:r>
-              <a:rPr lang="en-US" smtClean="0"/>
+              <a:rPr lang="en-US"/>
               <a:t>Second level</a:t>
             </a:r>
           </a:p>
           <a:p>
             <a:pPr lvl="2"/>
             <a:r>
-              <a:rPr lang="en-US" smtClean="0"/>
+              <a:rPr lang="en-US"/>
               <a:t>Third level</a:t>
             </a:r>
           </a:p>
           <a:p>
             <a:pPr lvl="3"/>
             <a:r>
-              <a:rPr lang="en-US" smtClean="0"/>
+              <a:rPr lang="en-US"/>
               <a:t>Fourth level</a:t>
             </a:r>
           </a:p>
           <a:p>
             <a:pPr lvl="4"/>
             <a:r>
-              <a:rPr lang="en-US" smtClean="0"/>
+              <a:rPr lang="en-US"/>
               <a:t>Fifth level</a:t>
             </a:r>
-            <a:endParaRPr lang="en-US"/>
           </a:p>
         </p:txBody>
       </p:sp>
@@ -1272,76 +1264,75 @@
         </p:nvSpPr>
         <p:spPr>
           <a:xfrm>
-            <a:off x="4648200" y="1600200"/>
-            <a:ext cx="4038600" cy="4525963"/>
+            <a:off x="4648200" y="1200151"/>
+            <a:ext cx="4038600" cy="3394472"/>
           </a:xfrm>
         </p:spPr>
         <p:txBody>
           <a:bodyPr/>
           <a:lstStyle>
             <a:lvl1pPr>
-              <a:defRPr sz="2800"/>
+              <a:defRPr sz="2100"/>
             </a:lvl1pPr>
             <a:lvl2pPr>
-              <a:defRPr sz="2400"/>
+              <a:defRPr sz="1800"/>
             </a:lvl2pPr>
             <a:lvl3pPr>
-              <a:defRPr sz="2000"/>
+              <a:defRPr sz="1500"/>
             </a:lvl3pPr>
             <a:lvl4pPr>
-              <a:defRPr sz="1800"/>
+              <a:defRPr sz="1350"/>
             </a:lvl4pPr>
             <a:lvl5pPr>
-              <a:defRPr sz="1800"/>
+              <a:defRPr sz="1350"/>
             </a:lvl5pPr>
             <a:lvl6pPr>
-              <a:defRPr sz="1800"/>
+              <a:defRPr sz="1350"/>
             </a:lvl6pPr>
             <a:lvl7pPr>
-              <a:defRPr sz="1800"/>
+              <a:defRPr sz="1350"/>
             </a:lvl7pPr>
             <a:lvl8pPr>
-              <a:defRPr sz="1800"/>
+              <a:defRPr sz="1350"/>
             </a:lvl8pPr>
             <a:lvl9pPr>
-              <a:defRPr sz="1800"/>
+              <a:defRPr sz="1350"/>
             </a:lvl9pPr>
           </a:lstStyle>
           <a:p>
             <a:pPr lvl="0"/>
             <a:r>
-              <a:rPr lang="en-US" smtClean="0"/>
+              <a:rPr lang="en-US"/>
               <a:t>Click to edit Master text styles</a:t>
             </a:r>
           </a:p>
           <a:p>
             <a:pPr lvl="1"/>
             <a:r>
-              <a:rPr lang="en-US" smtClean="0"/>
+              <a:rPr lang="en-US"/>
               <a:t>Second level</a:t>
             </a:r>
           </a:p>
           <a:p>
             <a:pPr lvl="2"/>
             <a:r>
-              <a:rPr lang="en-US" smtClean="0"/>
+              <a:rPr lang="en-US"/>
               <a:t>Third level</a:t>
             </a:r>
           </a:p>
           <a:p>
             <a:pPr lvl="3"/>
             <a:r>
-              <a:rPr lang="en-US" smtClean="0"/>
+              <a:rPr lang="en-US"/>
               <a:t>Fourth level</a:t>
             </a:r>
           </a:p>
           <a:p>
             <a:pPr lvl="4"/>
             <a:r>
-              <a:rPr lang="en-US" smtClean="0"/>
+              <a:rPr lang="en-US"/>
               <a:t>Fifth level</a:t>
             </a:r>
-            <a:endParaRPr lang="en-US"/>
           </a:p>
         </p:txBody>
       </p:sp>
@@ -1362,7 +1353,7 @@
           <a:p>
             <a:fld id="{241EB5C9-1307-BA42-ABA2-0BC069CD8E7F}" type="datetimeFigureOut">
               <a:rPr lang="en-US" smtClean="0"/>
-              <a:t>4/5/2019</a:t>
+              <a:t>1/2/22</a:t>
             </a:fld>
             <a:endParaRPr lang="en-US"/>
           </a:p>
@@ -1460,10 +1451,9 @@
           </a:lstStyle>
           <a:p>
             <a:r>
-              <a:rPr lang="en-US" smtClean="0"/>
+              <a:rPr lang="en-US"/>
               <a:t>Click to edit Master title style</a:t>
             </a:r>
-            <a:endParaRPr lang="en-US"/>
           </a:p>
         </p:txBody>
       </p:sp>
@@ -1479,8 +1469,8 @@
         </p:nvSpPr>
         <p:spPr>
           <a:xfrm>
-            <a:off x="457200" y="1535113"/>
-            <a:ext cx="4040188" cy="639762"/>
+            <a:off x="457200" y="1151335"/>
+            <a:ext cx="4040188" cy="479822"/>
           </a:xfrm>
         </p:spPr>
         <p:txBody>
@@ -1488,45 +1478,45 @@
           <a:lstStyle>
             <a:lvl1pPr marL="0" indent="0">
               <a:buNone/>
-              <a:defRPr sz="2400" b="1"/>
+              <a:defRPr sz="1800" b="1"/>
             </a:lvl1pPr>
-            <a:lvl2pPr marL="457200" indent="0">
-              <a:buNone/>
-              <a:defRPr sz="2000" b="1"/>
+            <a:lvl2pPr marL="342900" indent="0">
+              <a:buNone/>
+              <a:defRPr sz="1500" b="1"/>
             </a:lvl2pPr>
-            <a:lvl3pPr marL="914400" indent="0">
-              <a:buNone/>
-              <a:defRPr sz="1800" b="1"/>
+            <a:lvl3pPr marL="685800" indent="0">
+              <a:buNone/>
+              <a:defRPr sz="1350" b="1"/>
             </a:lvl3pPr>
-            <a:lvl4pPr marL="1371600" indent="0">
-              <a:buNone/>
-              <a:defRPr sz="1600" b="1"/>
+            <a:lvl4pPr marL="1028700" indent="0">
+              <a:buNone/>
+              <a:defRPr sz="1200" b="1"/>
             </a:lvl4pPr>
-            <a:lvl5pPr marL="1828800" indent="0">
-              <a:buNone/>
-              <a:defRPr sz="1600" b="1"/>
+            <a:lvl5pPr marL="1371600" indent="0">
+              <a:buNone/>
+              <a:defRPr sz="1200" b="1"/>
             </a:lvl5pPr>
-            <a:lvl6pPr marL="2286000" indent="0">
-              <a:buNone/>
-              <a:defRPr sz="1600" b="1"/>
+            <a:lvl6pPr marL="1714500" indent="0">
+              <a:buNone/>
+              <a:defRPr sz="1200" b="1"/>
             </a:lvl6pPr>
-            <a:lvl7pPr marL="2743200" indent="0">
-              <a:buNone/>
-              <a:defRPr sz="1600" b="1"/>
+            <a:lvl7pPr marL="2057400" indent="0">
+              <a:buNone/>
+              <a:defRPr sz="1200" b="1"/>
             </a:lvl7pPr>
-            <a:lvl8pPr marL="3200400" indent="0">
-              <a:buNone/>
-              <a:defRPr sz="1600" b="1"/>
+            <a:lvl8pPr marL="2400300" indent="0">
+              <a:buNone/>
+              <a:defRPr sz="1200" b="1"/>
             </a:lvl8pPr>
-            <a:lvl9pPr marL="3657600" indent="0">
-              <a:buNone/>
-              <a:defRPr sz="1600" b="1"/>
+            <a:lvl9pPr marL="2743200" indent="0">
+              <a:buNone/>
+              <a:defRPr sz="1200" b="1"/>
             </a:lvl9pPr>
           </a:lstStyle>
           <a:p>
             <a:pPr lvl="0"/>
             <a:r>
-              <a:rPr lang="en-US" smtClean="0"/>
+              <a:rPr lang="en-US"/>
               <a:t>Click to edit Master text styles</a:t>
             </a:r>
           </a:p>
@@ -1544,76 +1534,75 @@
         </p:nvSpPr>
         <p:spPr>
           <a:xfrm>
-            <a:off x="457200" y="2174875"/>
-            <a:ext cx="4040188" cy="3951288"/>
+            <a:off x="457200" y="1631156"/>
+            <a:ext cx="4040188" cy="2963466"/>
           </a:xfrm>
         </p:spPr>
         <p:txBody>
           <a:bodyPr/>
           <a:lstStyle>
             <a:lvl1pPr>
-              <a:defRPr sz="2400"/>
+              <a:defRPr sz="1800"/>
             </a:lvl1pPr>
             <a:lvl2pPr>
-              <a:defRPr sz="2000"/>
+              <a:defRPr sz="1500"/>
             </a:lvl2pPr>
             <a:lvl3pPr>
-              <a:defRPr sz="1800"/>
+              <a:defRPr sz="1350"/>
             </a:lvl3pPr>
             <a:lvl4pPr>
-              <a:defRPr sz="1600"/>
+              <a:defRPr sz="1200"/>
             </a:lvl4pPr>
             <a:lvl5pPr>
-              <a:defRPr sz="1600"/>
+              <a:defRPr sz="1200"/>
             </a:lvl5pPr>
             <a:lvl6pPr>
-              <a:defRPr sz="1600"/>
+              <a:defRPr sz="1200"/>
             </a:lvl6pPr>
             <a:lvl7pPr>
-              <a:defRPr sz="1600"/>
+              <a:defRPr sz="1200"/>
             </a:lvl7pPr>
             <a:lvl8pPr>
-              <a:defRPr sz="1600"/>
+              <a:defRPr sz="1200"/>
             </a:lvl8pPr>
             <a:lvl9pPr>
-              <a:defRPr sz="1600"/>
+              <a:defRPr sz="1200"/>
             </a:lvl9pPr>
           </a:lstStyle>
           <a:p>
             <a:pPr lvl="0"/>
             <a:r>
-              <a:rPr lang="en-US" smtClean="0"/>
+              <a:rPr lang="en-US"/>
               <a:t>Click to edit Master text styles</a:t>
             </a:r>
           </a:p>
           <a:p>
             <a:pPr lvl="1"/>
             <a:r>
-              <a:rPr lang="en-US" smtClean="0"/>
+              <a:rPr lang="en-US"/>
               <a:t>Second level</a:t>
             </a:r>
           </a:p>
           <a:p>
             <a:pPr lvl="2"/>
             <a:r>
-              <a:rPr lang="en-US" smtClean="0"/>
+              <a:rPr lang="en-US"/>
               <a:t>Third level</a:t>
             </a:r>
           </a:p>
           <a:p>
             <a:pPr lvl="3"/>
             <a:r>
-              <a:rPr lang="en-US" smtClean="0"/>
+              <a:rPr lang="en-US"/>
               <a:t>Fourth level</a:t>
             </a:r>
           </a:p>
           <a:p>
             <a:pPr lvl="4"/>
             <a:r>
-              <a:rPr lang="en-US" smtClean="0"/>
+              <a:rPr lang="en-US"/>
               <a:t>Fifth level</a:t>
             </a:r>
-            <a:endParaRPr lang="en-US"/>
           </a:p>
         </p:txBody>
       </p:sp>
@@ -1629,8 +1618,8 @@
         </p:nvSpPr>
         <p:spPr>
           <a:xfrm>
-            <a:off x="4645025" y="1535113"/>
-            <a:ext cx="4041775" cy="639762"/>
+            <a:off x="4645026" y="1151335"/>
+            <a:ext cx="4041775" cy="479822"/>
           </a:xfrm>
         </p:spPr>
         <p:txBody>
@@ -1638,45 +1627,45 @@
           <a:lstStyle>
             <a:lvl1pPr marL="0" indent="0">
               <a:buNone/>
-              <a:defRPr sz="2400" b="1"/>
+              <a:defRPr sz="1800" b="1"/>
             </a:lvl1pPr>
-            <a:lvl2pPr marL="457200" indent="0">
-              <a:buNone/>
-              <a:defRPr sz="2000" b="1"/>
+            <a:lvl2pPr marL="342900" indent="0">
+              <a:buNone/>
+              <a:defRPr sz="1500" b="1"/>
             </a:lvl2pPr>
-            <a:lvl3pPr marL="914400" indent="0">
-              <a:buNone/>
-              <a:defRPr sz="1800" b="1"/>
+            <a:lvl3pPr marL="685800" indent="0">
+              <a:buNone/>
+              <a:defRPr sz="1350" b="1"/>
             </a:lvl3pPr>
-            <a:lvl4pPr marL="1371600" indent="0">
-              <a:buNone/>
-              <a:defRPr sz="1600" b="1"/>
+            <a:lvl4pPr marL="1028700" indent="0">
+              <a:buNone/>
+              <a:defRPr sz="1200" b="1"/>
             </a:lvl4pPr>
-            <a:lvl5pPr marL="1828800" indent="0">
-              <a:buNone/>
-              <a:defRPr sz="1600" b="1"/>
+            <a:lvl5pPr marL="1371600" indent="0">
+              <a:buNone/>
+              <a:defRPr sz="1200" b="1"/>
             </a:lvl5pPr>
-            <a:lvl6pPr marL="2286000" indent="0">
-              <a:buNone/>
-              <a:defRPr sz="1600" b="1"/>
+            <a:lvl6pPr marL="1714500" indent="0">
+              <a:buNone/>
+              <a:defRPr sz="1200" b="1"/>
             </a:lvl6pPr>
-            <a:lvl7pPr marL="2743200" indent="0">
-              <a:buNone/>
-              <a:defRPr sz="1600" b="1"/>
+            <a:lvl7pPr marL="2057400" indent="0">
+              <a:buNone/>
+              <a:defRPr sz="1200" b="1"/>
             </a:lvl7pPr>
-            <a:lvl8pPr marL="3200400" indent="0">
-              <a:buNone/>
-              <a:defRPr sz="1600" b="1"/>
+            <a:lvl8pPr marL="2400300" indent="0">
+              <a:buNone/>
+              <a:defRPr sz="1200" b="1"/>
             </a:lvl8pPr>
-            <a:lvl9pPr marL="3657600" indent="0">
-              <a:buNone/>
-              <a:defRPr sz="1600" b="1"/>
+            <a:lvl9pPr marL="2743200" indent="0">
+              <a:buNone/>
+              <a:defRPr sz="1200" b="1"/>
             </a:lvl9pPr>
           </a:lstStyle>
           <a:p>
             <a:pPr lvl="0"/>
             <a:r>
-              <a:rPr lang="en-US" smtClean="0"/>
+              <a:rPr lang="en-US"/>
               <a:t>Click to edit Master text styles</a:t>
             </a:r>
           </a:p>
@@ -1694,76 +1683,75 @@
         </p:nvSpPr>
         <p:spPr>
           <a:xfrm>
-            <a:off x="4645025" y="2174875"/>
-            <a:ext cx="4041775" cy="3951288"/>
+            <a:off x="4645026" y="1631156"/>
+            <a:ext cx="4041775" cy="2963466"/>
           </a:xfrm>
         </p:spPr>
         <p:txBody>
           <a:bodyPr/>
           <a:lstStyle>
             <a:lvl1pPr>
-              <a:defRPr sz="2400"/>
+              <a:defRPr sz="1800"/>
             </a:lvl1pPr>
             <a:lvl2pPr>
-              <a:defRPr sz="2000"/>
+              <a:defRPr sz="1500"/>
             </a:lvl2pPr>
             <a:lvl3pPr>
-              <a:defRPr sz="1800"/>
+              <a:defRPr sz="1350"/>
             </a:lvl3pPr>
             <a:lvl4pPr>
-              <a:defRPr sz="1600"/>
+              <a:defRPr sz="1200"/>
             </a:lvl4pPr>
             <a:lvl5pPr>
-              <a:defRPr sz="1600"/>
+              <a:defRPr sz="1200"/>
             </a:lvl5pPr>
             <a:lvl6pPr>
-              <a:defRPr sz="1600"/>
+              <a:defRPr sz="1200"/>
             </a:lvl6pPr>
             <a:lvl7pPr>
-              <a:defRPr sz="1600"/>
+              <a:defRPr sz="1200"/>
             </a:lvl7pPr>
             <a:lvl8pPr>
-              <a:defRPr sz="1600"/>
+              <a:defRPr sz="1200"/>
             </a:lvl8pPr>
             <a:lvl9pPr>
-              <a:defRPr sz="1600"/>
+              <a:defRPr sz="1200"/>
             </a:lvl9pPr>
           </a:lstStyle>
           <a:p>
             <a:pPr lvl="0"/>
             <a:r>
-              <a:rPr lang="en-US" smtClean="0"/>
+              <a:rPr lang="en-US"/>
               <a:t>Click to edit Master text styles</a:t>
             </a:r>
           </a:p>
           <a:p>
             <a:pPr lvl="1"/>
             <a:r>
-              <a:rPr lang="en-US" smtClean="0"/>
+              <a:rPr lang="en-US"/>
               <a:t>Second level</a:t>
             </a:r>
           </a:p>
           <a:p>
             <a:pPr lvl="2"/>
             <a:r>
-              <a:rPr lang="en-US" smtClean="0"/>
+              <a:rPr lang="en-US"/>
               <a:t>Third level</a:t>
             </a:r>
           </a:p>
           <a:p>
             <a:pPr lvl="3"/>
             <a:r>
-              <a:rPr lang="en-US" smtClean="0"/>
+              <a:rPr lang="en-US"/>
               <a:t>Fourth level</a:t>
             </a:r>
           </a:p>
           <a:p>
             <a:pPr lvl="4"/>
             <a:r>
-              <a:rPr lang="en-US" smtClean="0"/>
+              <a:rPr lang="en-US"/>
               <a:t>Fifth level</a:t>
             </a:r>
-            <a:endParaRPr lang="en-US"/>
           </a:p>
         </p:txBody>
       </p:sp>
@@ -1784,7 +1772,7 @@
           <a:p>
             <a:fld id="{241EB5C9-1307-BA42-ABA2-0BC069CD8E7F}" type="datetimeFigureOut">
               <a:rPr lang="en-US" smtClean="0"/>
-              <a:t>4/5/2019</a:t>
+              <a:t>1/2/22</a:t>
             </a:fld>
             <a:endParaRPr lang="en-US"/>
           </a:p>
@@ -1878,10 +1866,9 @@
           <a:lstStyle/>
           <a:p>
             <a:r>
-              <a:rPr lang="en-US" smtClean="0"/>
+              <a:rPr lang="en-US"/>
               <a:t>Click to edit Master title style</a:t>
             </a:r>
-            <a:endParaRPr lang="en-US"/>
           </a:p>
         </p:txBody>
       </p:sp>
@@ -1902,7 +1889,7 @@
           <a:p>
             <a:fld id="{241EB5C9-1307-BA42-ABA2-0BC069CD8E7F}" type="datetimeFigureOut">
               <a:rPr lang="en-US" smtClean="0"/>
-              <a:t>4/5/2019</a:t>
+              <a:t>1/2/22</a:t>
             </a:fld>
             <a:endParaRPr lang="en-US"/>
           </a:p>
@@ -1997,7 +1984,7 @@
           <a:p>
             <a:fld id="{241EB5C9-1307-BA42-ABA2-0BC069CD8E7F}" type="datetimeFigureOut">
               <a:rPr lang="en-US" smtClean="0"/>
-              <a:t>4/5/2019</a:t>
+              <a:t>1/2/22</a:t>
             </a:fld>
             <a:endParaRPr lang="en-US"/>
           </a:p>
@@ -2087,23 +2074,22 @@
         </p:nvSpPr>
         <p:spPr>
           <a:xfrm>
-            <a:off x="457200" y="273050"/>
-            <a:ext cx="3008313" cy="1162050"/>
+            <a:off x="457201" y="204787"/>
+            <a:ext cx="3008313" cy="871538"/>
           </a:xfrm>
         </p:spPr>
         <p:txBody>
           <a:bodyPr anchor="b"/>
           <a:lstStyle>
             <a:lvl1pPr algn="l">
-              <a:defRPr sz="2000" b="1"/>
+              <a:defRPr sz="1500" b="1"/>
             </a:lvl1pPr>
           </a:lstStyle>
           <a:p>
             <a:r>
-              <a:rPr lang="en-US" smtClean="0"/>
+              <a:rPr lang="en-US"/>
               <a:t>Click to edit Master title style</a:t>
             </a:r>
-            <a:endParaRPr lang="en-US"/>
           </a:p>
         </p:txBody>
       </p:sp>
@@ -2119,76 +2105,75 @@
         </p:nvSpPr>
         <p:spPr>
           <a:xfrm>
-            <a:off x="3575050" y="273050"/>
-            <a:ext cx="5111750" cy="5853113"/>
+            <a:off x="3575050" y="204788"/>
+            <a:ext cx="5111750" cy="4389835"/>
           </a:xfrm>
         </p:spPr>
         <p:txBody>
           <a:bodyPr/>
           <a:lstStyle>
             <a:lvl1pPr>
-              <a:defRPr sz="3200"/>
+              <a:defRPr sz="2400"/>
             </a:lvl1pPr>
             <a:lvl2pPr>
-              <a:defRPr sz="2800"/>
+              <a:defRPr sz="2100"/>
             </a:lvl2pPr>
             <a:lvl3pPr>
-              <a:defRPr sz="2400"/>
+              <a:defRPr sz="1800"/>
             </a:lvl3pPr>
             <a:lvl4pPr>
-              <a:defRPr sz="2000"/>
+              <a:defRPr sz="1500"/>
             </a:lvl4pPr>
             <a:lvl5pPr>
-              <a:defRPr sz="2000"/>
+              <a:defRPr sz="1500"/>
             </a:lvl5pPr>
             <a:lvl6pPr>
-              <a:defRPr sz="2000"/>
+              <a:defRPr sz="1500"/>
             </a:lvl6pPr>
             <a:lvl7pPr>
-              <a:defRPr sz="2000"/>
+              <a:defRPr sz="1500"/>
             </a:lvl7pPr>
             <a:lvl8pPr>
-              <a:defRPr sz="2000"/>
+              <a:defRPr sz="1500"/>
             </a:lvl8pPr>
             <a:lvl9pPr>
-              <a:defRPr sz="2000"/>
+              <a:defRPr sz="1500"/>
             </a:lvl9pPr>
           </a:lstStyle>
           <a:p>
             <a:pPr lvl="0"/>
             <a:r>
-              <a:rPr lang="en-US" smtClean="0"/>
+              <a:rPr lang="en-US"/>
               <a:t>Click to edit Master text styles</a:t>
             </a:r>
           </a:p>
           <a:p>
             <a:pPr lvl="1"/>
             <a:r>
-              <a:rPr lang="en-US" smtClean="0"/>
+              <a:rPr lang="en-US"/>
               <a:t>Second level</a:t>
             </a:r>
           </a:p>
           <a:p>
             <a:pPr lvl="2"/>
             <a:r>
-              <a:rPr lang="en-US" smtClean="0"/>
+              <a:rPr lang="en-US"/>
               <a:t>Third level</a:t>
             </a:r>
           </a:p>
           <a:p>
             <a:pPr lvl="3"/>
             <a:r>
-              <a:rPr lang="en-US" smtClean="0"/>
+              <a:rPr lang="en-US"/>
               <a:t>Fourth level</a:t>
             </a:r>
           </a:p>
           <a:p>
             <a:pPr lvl="4"/>
             <a:r>
-              <a:rPr lang="en-US" smtClean="0"/>
+              <a:rPr lang="en-US"/>
               <a:t>Fifth level</a:t>
             </a:r>
-            <a:endParaRPr lang="en-US"/>
           </a:p>
         </p:txBody>
       </p:sp>
@@ -2204,8 +2189,8 @@
         </p:nvSpPr>
         <p:spPr>
           <a:xfrm>
-            <a:off x="457200" y="1435100"/>
-            <a:ext cx="3008313" cy="4691063"/>
+            <a:off x="457201" y="1076326"/>
+            <a:ext cx="3008313" cy="3518297"/>
           </a:xfrm>
         </p:spPr>
         <p:txBody>
@@ -2213,45 +2198,45 @@
           <a:lstStyle>
             <a:lvl1pPr marL="0" indent="0">
               <a:buNone/>
-              <a:defRPr sz="1400"/>
+              <a:defRPr sz="1050"/>
             </a:lvl1pPr>
-            <a:lvl2pPr marL="457200" indent="0">
-              <a:buNone/>
-              <a:defRPr sz="1200"/>
+            <a:lvl2pPr marL="342900" indent="0">
+              <a:buNone/>
+              <a:defRPr sz="900"/>
             </a:lvl2pPr>
-            <a:lvl3pPr marL="914400" indent="0">
-              <a:buNone/>
-              <a:defRPr sz="1000"/>
+            <a:lvl3pPr marL="685800" indent="0">
+              <a:buNone/>
+              <a:defRPr sz="750"/>
             </a:lvl3pPr>
-            <a:lvl4pPr marL="1371600" indent="0">
-              <a:buNone/>
-              <a:defRPr sz="900"/>
+            <a:lvl4pPr marL="1028700" indent="0">
+              <a:buNone/>
+              <a:defRPr sz="675"/>
             </a:lvl4pPr>
-            <a:lvl5pPr marL="1828800" indent="0">
-              <a:buNone/>
-              <a:defRPr sz="900"/>
+            <a:lvl5pPr marL="1371600" indent="0">
+              <a:buNone/>
+              <a:defRPr sz="675"/>
             </a:lvl5pPr>
-            <a:lvl6pPr marL="2286000" indent="0">
-              <a:buNone/>
-              <a:defRPr sz="900"/>
+            <a:lvl6pPr marL="1714500" indent="0">
+              <a:buNone/>
+              <a:defRPr sz="675"/>
             </a:lvl6pPr>
-            <a:lvl7pPr marL="2743200" indent="0">
-              <a:buNone/>
-              <a:defRPr sz="900"/>
+            <a:lvl7pPr marL="2057400" indent="0">
+              <a:buNone/>
+              <a:defRPr sz="675"/>
             </a:lvl7pPr>
-            <a:lvl8pPr marL="3200400" indent="0">
-              <a:buNone/>
-              <a:defRPr sz="900"/>
+            <a:lvl8pPr marL="2400300" indent="0">
+              <a:buNone/>
+              <a:defRPr sz="675"/>
             </a:lvl8pPr>
-            <a:lvl9pPr marL="3657600" indent="0">
-              <a:buNone/>
-              <a:defRPr sz="900"/>
+            <a:lvl9pPr marL="2743200" indent="0">
+              <a:buNone/>
+              <a:defRPr sz="675"/>
             </a:lvl9pPr>
           </a:lstStyle>
           <a:p>
             <a:pPr lvl="0"/>
             <a:r>
-              <a:rPr lang="en-US" smtClean="0"/>
+              <a:rPr lang="en-US"/>
               <a:t>Click to edit Master text styles</a:t>
             </a:r>
           </a:p>
@@ -2274,7 +2259,7 @@
           <a:p>
             <a:fld id="{241EB5C9-1307-BA42-ABA2-0BC069CD8E7F}" type="datetimeFigureOut">
               <a:rPr lang="en-US" smtClean="0"/>
-              <a:t>4/5/2019</a:t>
+              <a:t>1/2/22</a:t>
             </a:fld>
             <a:endParaRPr lang="en-US"/>
           </a:p>
@@ -2364,23 +2349,22 @@
         </p:nvSpPr>
         <p:spPr>
           <a:xfrm>
-            <a:off x="1792288" y="4800600"/>
-            <a:ext cx="5486400" cy="566738"/>
+            <a:off x="1792288" y="3600450"/>
+            <a:ext cx="5486400" cy="425054"/>
           </a:xfrm>
         </p:spPr>
         <p:txBody>
           <a:bodyPr anchor="b"/>
           <a:lstStyle>
             <a:lvl1pPr algn="l">
-              <a:defRPr sz="2000" b="1"/>
+              <a:defRPr sz="1500" b="1"/>
             </a:lvl1pPr>
           </a:lstStyle>
           <a:p>
             <a:r>
-              <a:rPr lang="en-US" smtClean="0"/>
+              <a:rPr lang="en-US"/>
               <a:t>Click to edit Master title style</a:t>
             </a:r>
-            <a:endParaRPr lang="en-US"/>
           </a:p>
         </p:txBody>
       </p:sp>
@@ -2396,8 +2380,8 @@
         </p:nvSpPr>
         <p:spPr>
           <a:xfrm>
-            <a:off x="1792288" y="612775"/>
-            <a:ext cx="5486400" cy="4114800"/>
+            <a:off x="1792288" y="459581"/>
+            <a:ext cx="5486400" cy="3086100"/>
           </a:xfrm>
         </p:spPr>
         <p:txBody>
@@ -2405,39 +2389,39 @@
           <a:lstStyle>
             <a:lvl1pPr marL="0" indent="0">
               <a:buNone/>
-              <a:defRPr sz="3200"/>
+              <a:defRPr sz="2400"/>
             </a:lvl1pPr>
-            <a:lvl2pPr marL="457200" indent="0">
-              <a:buNone/>
-              <a:defRPr sz="2800"/>
+            <a:lvl2pPr marL="342900" indent="0">
+              <a:buNone/>
+              <a:defRPr sz="2100"/>
             </a:lvl2pPr>
-            <a:lvl3pPr marL="914400" indent="0">
-              <a:buNone/>
-              <a:defRPr sz="2400"/>
+            <a:lvl3pPr marL="685800" indent="0">
+              <a:buNone/>
+              <a:defRPr sz="1800"/>
             </a:lvl3pPr>
-            <a:lvl4pPr marL="1371600" indent="0">
-              <a:buNone/>
-              <a:defRPr sz="2000"/>
+            <a:lvl4pPr marL="1028700" indent="0">
+              <a:buNone/>
+              <a:defRPr sz="1500"/>
             </a:lvl4pPr>
-            <a:lvl5pPr marL="1828800" indent="0">
-              <a:buNone/>
-              <a:defRPr sz="2000"/>
+            <a:lvl5pPr marL="1371600" indent="0">
+              <a:buNone/>
+              <a:defRPr sz="1500"/>
             </a:lvl5pPr>
-            <a:lvl6pPr marL="2286000" indent="0">
-              <a:buNone/>
-              <a:defRPr sz="2000"/>
+            <a:lvl6pPr marL="1714500" indent="0">
+              <a:buNone/>
+              <a:defRPr sz="1500"/>
             </a:lvl6pPr>
-            <a:lvl7pPr marL="2743200" indent="0">
-              <a:buNone/>
-              <a:defRPr sz="2000"/>
+            <a:lvl7pPr marL="2057400" indent="0">
+              <a:buNone/>
+              <a:defRPr sz="1500"/>
             </a:lvl7pPr>
-            <a:lvl8pPr marL="3200400" indent="0">
-              <a:buNone/>
-              <a:defRPr sz="2000"/>
+            <a:lvl8pPr marL="2400300" indent="0">
+              <a:buNone/>
+              <a:defRPr sz="1500"/>
             </a:lvl8pPr>
-            <a:lvl9pPr marL="3657600" indent="0">
-              <a:buNone/>
-              <a:defRPr sz="2000"/>
+            <a:lvl9pPr marL="2743200" indent="0">
+              <a:buNone/>
+              <a:defRPr sz="1500"/>
             </a:lvl9pPr>
           </a:lstStyle>
           <a:p>
@@ -2457,8 +2441,8 @@
         </p:nvSpPr>
         <p:spPr>
           <a:xfrm>
-            <a:off x="1792288" y="5367338"/>
-            <a:ext cx="5486400" cy="804862"/>
+            <a:off x="1792288" y="4025503"/>
+            <a:ext cx="5486400" cy="603647"/>
           </a:xfrm>
         </p:spPr>
         <p:txBody>
@@ -2466,45 +2450,45 @@
           <a:lstStyle>
             <a:lvl1pPr marL="0" indent="0">
               <a:buNone/>
-              <a:defRPr sz="1400"/>
+              <a:defRPr sz="1050"/>
             </a:lvl1pPr>
-            <a:lvl2pPr marL="457200" indent="0">
-              <a:buNone/>
-              <a:defRPr sz="1200"/>
+            <a:lvl2pPr marL="342900" indent="0">
+              <a:buNone/>
+              <a:defRPr sz="900"/>
             </a:lvl2pPr>
-            <a:lvl3pPr marL="914400" indent="0">
-              <a:buNone/>
-              <a:defRPr sz="1000"/>
+            <a:lvl3pPr marL="685800" indent="0">
+              <a:buNone/>
+              <a:defRPr sz="750"/>
             </a:lvl3pPr>
-            <a:lvl4pPr marL="1371600" indent="0">
-              <a:buNone/>
-              <a:defRPr sz="900"/>
+            <a:lvl4pPr marL="1028700" indent="0">
+              <a:buNone/>
+              <a:defRPr sz="675"/>
             </a:lvl4pPr>
-            <a:lvl5pPr marL="1828800" indent="0">
-              <a:buNone/>
-              <a:defRPr sz="900"/>
+            <a:lvl5pPr marL="1371600" indent="0">
+              <a:buNone/>
+              <a:defRPr sz="675"/>
             </a:lvl5pPr>
-            <a:lvl6pPr marL="2286000" indent="0">
-              <a:buNone/>
-              <a:defRPr sz="900"/>
+            <a:lvl6pPr marL="1714500" indent="0">
+              <a:buNone/>
+              <a:defRPr sz="675"/>
             </a:lvl6pPr>
-            <a:lvl7pPr marL="2743200" indent="0">
-              <a:buNone/>
-              <a:defRPr sz="900"/>
+            <a:lvl7pPr marL="2057400" indent="0">
+              <a:buNone/>
+              <a:defRPr sz="675"/>
             </a:lvl7pPr>
-            <a:lvl8pPr marL="3200400" indent="0">
-              <a:buNone/>
-              <a:defRPr sz="900"/>
+            <a:lvl8pPr marL="2400300" indent="0">
+              <a:buNone/>
+              <a:defRPr sz="675"/>
             </a:lvl8pPr>
-            <a:lvl9pPr marL="3657600" indent="0">
-              <a:buNone/>
-              <a:defRPr sz="900"/>
+            <a:lvl9pPr marL="2743200" indent="0">
+              <a:buNone/>
+              <a:defRPr sz="675"/>
             </a:lvl9pPr>
           </a:lstStyle>
           <a:p>
             <a:pPr lvl="0"/>
             <a:r>
-              <a:rPr lang="en-US" smtClean="0"/>
+              <a:rPr lang="en-US"/>
               <a:t>Click to edit Master text styles</a:t>
             </a:r>
           </a:p>
@@ -2527,7 +2511,7 @@
           <a:p>
             <a:fld id="{241EB5C9-1307-BA42-ABA2-0BC069CD8E7F}" type="datetimeFigureOut">
               <a:rPr lang="en-US" smtClean="0"/>
-              <a:t>4/5/2019</a:t>
+              <a:t>1/2/22</a:t>
             </a:fld>
             <a:endParaRPr lang="en-US"/>
           </a:p>
@@ -2589,7 +2573,7 @@
 </file>
 
 <file path=ppt/slideMasters/slideMaster1.xml><?xml version="1.0" encoding="utf-8"?>
-<p:sldMaster xmlns:a="http://schemas.openxmlformats.org/drawingml/2006/main" xmlns:r="http://schemas.openxmlformats.org/officeDocument/2006/relationships" xmlns:p="http://schemas.openxmlformats.org/presentationml/2006/main">
+<p:sldMaster xmlns:a="http://schemas.openxmlformats.org/drawingml/2006/main" xmlns:p="http://schemas.openxmlformats.org/presentationml/2006/main" xmlns:r="http://schemas.openxmlformats.org/officeDocument/2006/relationships">
   <p:cSld>
     <p:bg>
       <p:bgRef idx="1001">
@@ -2622,24 +2606,23 @@
         </p:nvSpPr>
         <p:spPr>
           <a:xfrm>
-            <a:off x="457200" y="274638"/>
-            <a:ext cx="8229600" cy="1143000"/>
+            <a:off x="457200" y="205979"/>
+            <a:ext cx="8229600" cy="857250"/>
           </a:xfrm>
           <a:prstGeom prst="rect">
             <a:avLst/>
           </a:prstGeom>
         </p:spPr>
         <p:txBody>
-          <a:bodyPr vert="horz" lIns="91440" tIns="45720" rIns="91440" bIns="45720" rtlCol="0" anchor="ctr">
+          <a:bodyPr anchor="ctr" bIns="45720" lIns="91440" rIns="91440" rtlCol="0" tIns="45720" vert="horz">
             <a:normAutofit/>
           </a:bodyPr>
           <a:lstStyle/>
           <a:p>
             <a:r>
-              <a:rPr lang="en-US" smtClean="0"/>
+              <a:rPr lang="en-US"/>
               <a:t>Click to edit Master title style</a:t>
             </a:r>
-            <a:endParaRPr lang="en-US"/>
           </a:p>
         </p:txBody>
       </p:sp>
@@ -2650,58 +2633,57 @@
             <a:spLocks noGrp="1"/>
           </p:cNvSpPr>
           <p:nvPr>
-            <p:ph type="body" idx="1"/>
+            <p:ph idx="1" type="body"/>
           </p:nvPr>
         </p:nvSpPr>
         <p:spPr>
           <a:xfrm>
-            <a:off x="457200" y="1600200"/>
-            <a:ext cx="8229600" cy="4525963"/>
+            <a:off x="457200" y="1200151"/>
+            <a:ext cx="8229600" cy="3394472"/>
           </a:xfrm>
           <a:prstGeom prst="rect">
             <a:avLst/>
           </a:prstGeom>
         </p:spPr>
         <p:txBody>
-          <a:bodyPr vert="horz" lIns="91440" tIns="45720" rIns="91440" bIns="45720" rtlCol="0">
+          <a:bodyPr bIns="45720" lIns="91440" rIns="91440" rtlCol="0" tIns="45720" vert="horz">
             <a:normAutofit/>
           </a:bodyPr>
           <a:lstStyle/>
           <a:p>
             <a:pPr lvl="0"/>
             <a:r>
-              <a:rPr lang="en-US" smtClean="0"/>
+              <a:rPr lang="en-US"/>
               <a:t>Click to edit Master text styles</a:t>
             </a:r>
           </a:p>
           <a:p>
             <a:pPr lvl="1"/>
             <a:r>
-              <a:rPr lang="en-US" smtClean="0"/>
+              <a:rPr lang="en-US"/>
               <a:t>Second level</a:t>
             </a:r>
           </a:p>
           <a:p>
             <a:pPr lvl="2"/>
             <a:r>
-              <a:rPr lang="en-US" smtClean="0"/>
+              <a:rPr lang="en-US"/>
               <a:t>Third level</a:t>
             </a:r>
           </a:p>
           <a:p>
             <a:pPr lvl="3"/>
             <a:r>
-              <a:rPr lang="en-US" smtClean="0"/>
+              <a:rPr lang="en-US"/>
               <a:t>Fourth level</a:t>
             </a:r>
           </a:p>
           <a:p>
             <a:pPr lvl="4"/>
             <a:r>
-              <a:rPr lang="en-US" smtClean="0"/>
+              <a:rPr lang="en-US"/>
               <a:t>Fifth level</a:t>
             </a:r>
-            <a:endParaRPr lang="en-US"/>
           </a:p>
         </p:txBody>
       </p:sp>
@@ -2712,23 +2694,23 @@
             <a:spLocks noGrp="1"/>
           </p:cNvSpPr>
           <p:nvPr>
-            <p:ph type="dt" sz="half" idx="2"/>
+            <p:ph idx="2" sz="half" type="dt"/>
           </p:nvPr>
         </p:nvSpPr>
         <p:spPr>
           <a:xfrm>
-            <a:off x="457200" y="6356350"/>
-            <a:ext cx="2133600" cy="365125"/>
+            <a:off x="457200" y="4767263"/>
+            <a:ext cx="2133600" cy="273844"/>
           </a:xfrm>
           <a:prstGeom prst="rect">
             <a:avLst/>
           </a:prstGeom>
         </p:spPr>
         <p:txBody>
-          <a:bodyPr vert="horz" lIns="91440" tIns="45720" rIns="91440" bIns="45720" rtlCol="0" anchor="ctr"/>
+          <a:bodyPr anchor="ctr" bIns="45720" lIns="91440" rIns="91440" rtlCol="0" tIns="45720" vert="horz"/>
           <a:lstStyle>
             <a:lvl1pPr algn="l">
-              <a:defRPr sz="1200">
+              <a:defRPr sz="900">
                 <a:solidFill>
                   <a:schemeClr val="tx1">
                     <a:tint val="75000"/>
@@ -2740,7 +2722,7 @@
           <a:p>
             <a:fld id="{241EB5C9-1307-BA42-ABA2-0BC069CD8E7F}" type="datetimeFigureOut">
               <a:rPr lang="en-US" smtClean="0"/>
-              <a:t>4/5/2019</a:t>
+              <a:t>1/2/22</a:t>
             </a:fld>
             <a:endParaRPr lang="en-US"/>
           </a:p>
@@ -2753,23 +2735,23 @@
             <a:spLocks noGrp="1"/>
           </p:cNvSpPr>
           <p:nvPr>
-            <p:ph type="ftr" sz="quarter" idx="3"/>
+            <p:ph idx="3" sz="quarter" type="ftr"/>
           </p:nvPr>
         </p:nvSpPr>
         <p:spPr>
           <a:xfrm>
-            <a:off x="3124200" y="6356350"/>
-            <a:ext cx="2895600" cy="365125"/>
+            <a:off x="3124200" y="4767263"/>
+            <a:ext cx="2895600" cy="273844"/>
           </a:xfrm>
           <a:prstGeom prst="rect">
             <a:avLst/>
           </a:prstGeom>
         </p:spPr>
         <p:txBody>
-          <a:bodyPr vert="horz" lIns="91440" tIns="45720" rIns="91440" bIns="45720" rtlCol="0" anchor="ctr"/>
+          <a:bodyPr anchor="ctr" bIns="45720" lIns="91440" rIns="91440" rtlCol="0" tIns="45720" vert="horz"/>
           <a:lstStyle>
             <a:lvl1pPr algn="ctr">
-              <a:defRPr sz="1200">
+              <a:defRPr sz="900">
                 <a:solidFill>
                   <a:schemeClr val="tx1">
                     <a:tint val="75000"/>
@@ -2790,23 +2772,23 @@
             <a:spLocks noGrp="1"/>
           </p:cNvSpPr>
           <p:nvPr>
-            <p:ph type="sldNum" sz="quarter" idx="4"/>
+            <p:ph idx="4" sz="quarter" type="sldNum"/>
           </p:nvPr>
         </p:nvSpPr>
         <p:spPr>
           <a:xfrm>
-            <a:off x="6553200" y="6356350"/>
-            <a:ext cx="2133600" cy="365125"/>
+            <a:off x="6553200" y="4767263"/>
+            <a:ext cx="2133600" cy="273844"/>
           </a:xfrm>
           <a:prstGeom prst="rect">
             <a:avLst/>
           </a:prstGeom>
         </p:spPr>
         <p:txBody>
-          <a:bodyPr vert="horz" lIns="91440" tIns="45720" rIns="91440" bIns="45720" rtlCol="0" anchor="ctr"/>
+          <a:bodyPr anchor="ctr" bIns="45720" lIns="91440" rIns="91440" rtlCol="0" tIns="45720" vert="horz"/>
           <a:lstStyle>
             <a:lvl1pPr algn="r">
-              <a:defRPr sz="1200">
+              <a:defRPr sz="900">
                 <a:solidFill>
                   <a:schemeClr val="tx1">
                     <a:tint val="75000"/>
@@ -2831,7 +2813,7 @@
       </p:ext>
     </p:extLst>
   </p:cSld>
-  <p:clrMap bg1="lt1" tx1="dk1" bg2="lt2" tx2="dk2" accent1="accent1" accent2="accent2" accent3="accent3" accent4="accent4" accent5="accent5" accent6="accent6" hlink="hlink" folHlink="folHlink"/>
+  <p:clrMap accent1="accent1" accent2="accent2" accent3="accent3" accent4="accent4" accent5="accent5" accent6="accent6" bg1="lt1" bg2="lt2" folHlink="folHlink" hlink="hlink" tx1="dk1" tx2="dk2"/>
   <p:sldLayoutIdLst>
     <p:sldLayoutId id="2147483649" r:id="rId1"/>
     <p:sldLayoutId id="2147483650" r:id="rId2"/>
@@ -2847,12 +2829,12 @@
   </p:sldLayoutIdLst>
   <p:txStyles>
     <p:titleStyle>
-      <a:lvl1pPr algn="ctr" defTabSz="457200" rtl="0" eaLnBrk="1" latinLnBrk="0" hangingPunct="1">
+      <a:lvl1pPr algn="ctr" defTabSz="342900" eaLnBrk="1" hangingPunct="1" latinLnBrk="0" rtl="0">
         <a:spcBef>
           <a:spcPct val="0"/>
         </a:spcBef>
         <a:buNone/>
-        <a:defRPr sz="4400" kern="1200">
+        <a:defRPr kern="1200" sz="3300">
           <a:solidFill>
             <a:schemeClr val="tx1"/>
           </a:solidFill>
@@ -2863,13 +2845,13 @@
       </a:lvl1pPr>
     </p:titleStyle>
     <p:bodyStyle>
-      <a:lvl1pPr marL="342900" indent="-342900" algn="l" defTabSz="457200" rtl="0" eaLnBrk="1" latinLnBrk="0" hangingPunct="1">
+      <a:lvl1pPr algn="l" defTabSz="342900" eaLnBrk="1" hangingPunct="1" indent="-342900" latinLnBrk="0" marL="342900" rtl="0">
         <a:spcBef>
           <a:spcPct val="20000"/>
         </a:spcBef>
         <a:buFont typeface="Arial"/>
         <a:buChar char="•"/>
-        <a:defRPr sz="3200" kern="1200">
+        <a:defRPr kern="1200" sz="2400">
           <a:solidFill>
             <a:schemeClr val="tx1"/>
           </a:solidFill>
@@ -2878,13 +2860,13 @@
           <a:cs typeface="+mn-cs"/>
         </a:defRPr>
       </a:lvl1pPr>
-      <a:lvl2pPr marL="742950" indent="-285750" algn="l" defTabSz="457200" rtl="0" eaLnBrk="1" latinLnBrk="0" hangingPunct="1">
+      <a:lvl2pPr algn="l" defTabSz="342900" eaLnBrk="1" hangingPunct="1" indent="-342900" latinLnBrk="0" marL="685800" rtl="0">
         <a:spcBef>
           <a:spcPct val="20000"/>
         </a:spcBef>
         <a:buFont typeface="Arial"/>
         <a:buChar char="–"/>
-        <a:defRPr sz="2800" kern="1200">
+        <a:defRPr kern="1200" sz="2100">
           <a:solidFill>
             <a:schemeClr val="tx1"/>
           </a:solidFill>
@@ -2893,13 +2875,13 @@
           <a:cs typeface="+mn-cs"/>
         </a:defRPr>
       </a:lvl2pPr>
-      <a:lvl3pPr marL="1143000" indent="-228600" algn="l" defTabSz="457200" rtl="0" eaLnBrk="1" latinLnBrk="0" hangingPunct="1">
+      <a:lvl3pPr algn="l" defTabSz="342900" eaLnBrk="1" hangingPunct="1" indent="-342900" latinLnBrk="0" marL="1028700" rtl="0">
         <a:spcBef>
           <a:spcPct val="20000"/>
         </a:spcBef>
         <a:buFont typeface="Arial"/>
         <a:buChar char="•"/>
-        <a:defRPr sz="2400" kern="1200">
+        <a:defRPr kern="1200" sz="1800">
           <a:solidFill>
             <a:schemeClr val="tx1"/>
           </a:solidFill>
@@ -2908,13 +2890,13 @@
           <a:cs typeface="+mn-cs"/>
         </a:defRPr>
       </a:lvl3pPr>
-      <a:lvl4pPr marL="1600200" indent="-228600" algn="l" defTabSz="457200" rtl="0" eaLnBrk="1" latinLnBrk="0" hangingPunct="1">
+      <a:lvl4pPr algn="l" defTabSz="342900" eaLnBrk="1" hangingPunct="1" indent="-342900" latinLnBrk="0" marL="1371600" rtl="0">
         <a:spcBef>
           <a:spcPct val="20000"/>
         </a:spcBef>
         <a:buFont typeface="Arial"/>
         <a:buChar char="–"/>
-        <a:defRPr sz="2000" kern="1200">
+        <a:defRPr kern="1200" sz="1500">
           <a:solidFill>
             <a:schemeClr val="tx1"/>
           </a:solidFill>
@@ -2923,13 +2905,13 @@
           <a:cs typeface="+mn-cs"/>
         </a:defRPr>
       </a:lvl4pPr>
-      <a:lvl5pPr marL="2057400" indent="-228600" algn="l" defTabSz="457200" rtl="0" eaLnBrk="1" latinLnBrk="0" hangingPunct="1">
+      <a:lvl5pPr algn="l" defTabSz="342900" eaLnBrk="1" hangingPunct="1" indent="-342900" latinLnBrk="0" marL="1714500" rtl="0">
         <a:spcBef>
           <a:spcPct val="20000"/>
         </a:spcBef>
         <a:buFont typeface="Arial"/>
         <a:buChar char="»"/>
-        <a:defRPr sz="2000" kern="1200">
+        <a:defRPr kern="1200" sz="1500">
           <a:solidFill>
             <a:schemeClr val="tx1"/>
           </a:solidFill>
@@ -2938,13 +2920,13 @@
           <a:cs typeface="+mn-cs"/>
         </a:defRPr>
       </a:lvl5pPr>
-      <a:lvl6pPr marL="2514600" indent="-228600" algn="l" defTabSz="457200" rtl="0" eaLnBrk="1" latinLnBrk="0" hangingPunct="1">
+      <a:lvl6pPr algn="l" defTabSz="342900" eaLnBrk="1" hangingPunct="1" indent="-342900" latinLnBrk="0" marL="2057400" rtl="0">
         <a:spcBef>
           <a:spcPct val="20000"/>
         </a:spcBef>
         <a:buFont typeface="Arial"/>
         <a:buChar char="•"/>
-        <a:defRPr sz="2000" kern="1200">
+        <a:defRPr kern="1200" sz="1500">
           <a:solidFill>
             <a:schemeClr val="tx1"/>
           </a:solidFill>
@@ -2953,13 +2935,13 @@
           <a:cs typeface="+mn-cs"/>
         </a:defRPr>
       </a:lvl6pPr>
-      <a:lvl7pPr marL="2971800" indent="-228600" algn="l" defTabSz="457200" rtl="0" eaLnBrk="1" latinLnBrk="0" hangingPunct="1">
+      <a:lvl7pPr algn="l" defTabSz="342900" eaLnBrk="1" hangingPunct="1" indent="-342900" latinLnBrk="0" marL="2400300" rtl="0">
         <a:spcBef>
           <a:spcPct val="20000"/>
         </a:spcBef>
         <a:buFont typeface="Arial"/>
         <a:buChar char="•"/>
-        <a:defRPr sz="2000" kern="1200">
+        <a:defRPr kern="1200" sz="1500">
           <a:solidFill>
             <a:schemeClr val="tx1"/>
           </a:solidFill>
@@ -2968,13 +2950,13 @@
           <a:cs typeface="+mn-cs"/>
         </a:defRPr>
       </a:lvl7pPr>
-      <a:lvl8pPr marL="3429000" indent="-228600" algn="l" defTabSz="457200" rtl="0" eaLnBrk="1" latinLnBrk="0" hangingPunct="1">
+      <a:lvl8pPr algn="l" defTabSz="342900" eaLnBrk="1" hangingPunct="1" indent="-342900" latinLnBrk="0" marL="2743200" rtl="0">
         <a:spcBef>
           <a:spcPct val="20000"/>
         </a:spcBef>
         <a:buFont typeface="Arial"/>
         <a:buChar char="•"/>
-        <a:defRPr sz="2000" kern="1200">
+        <a:defRPr kern="1200" sz="1500">
           <a:solidFill>
             <a:schemeClr val="tx1"/>
           </a:solidFill>
@@ -2983,13 +2965,13 @@
           <a:cs typeface="+mn-cs"/>
         </a:defRPr>
       </a:lvl8pPr>
-      <a:lvl9pPr marL="3886200" indent="-228600" algn="l" defTabSz="457200" rtl="0" eaLnBrk="1" latinLnBrk="0" hangingPunct="1">
+      <a:lvl9pPr algn="l" defTabSz="342900" eaLnBrk="1" hangingPunct="1" indent="-342900" latinLnBrk="0" marL="3086100" rtl="0">
         <a:spcBef>
           <a:spcPct val="20000"/>
         </a:spcBef>
         <a:buFont typeface="Arial"/>
         <a:buChar char="•"/>
-        <a:defRPr sz="2000" kern="1200">
+        <a:defRPr kern="1200" sz="1500">
           <a:solidFill>
             <a:schemeClr val="tx1"/>
           </a:solidFill>
@@ -3003,8 +2985,8 @@
       <a:defPPr>
         <a:defRPr lang="en-US"/>
       </a:defPPr>
-      <a:lvl1pPr marL="0" algn="l" defTabSz="457200" rtl="0" eaLnBrk="1" latinLnBrk="0" hangingPunct="1">
-        <a:defRPr sz="1800" kern="1200">
+      <a:lvl1pPr algn="l" defTabSz="342900" eaLnBrk="1" hangingPunct="1" latinLnBrk="0" marL="0" rtl="0">
+        <a:defRPr kern="1200" sz="1350">
           <a:solidFill>
             <a:schemeClr val="tx1"/>
           </a:solidFill>
@@ -3013,8 +2995,8 @@
           <a:cs typeface="+mn-cs"/>
         </a:defRPr>
       </a:lvl1pPr>
-      <a:lvl2pPr marL="457200" algn="l" defTabSz="457200" rtl="0" eaLnBrk="1" latinLnBrk="0" hangingPunct="1">
-        <a:defRPr sz="1800" kern="1200">
+      <a:lvl2pPr algn="l" defTabSz="342900" eaLnBrk="1" hangingPunct="1" latinLnBrk="0" marL="342900" rtl="0">
+        <a:defRPr kern="1200" sz="1350">
           <a:solidFill>
             <a:schemeClr val="tx1"/>
           </a:solidFill>
@@ -3023,8 +3005,8 @@
           <a:cs typeface="+mn-cs"/>
         </a:defRPr>
       </a:lvl2pPr>
-      <a:lvl3pPr marL="914400" algn="l" defTabSz="457200" rtl="0" eaLnBrk="1" latinLnBrk="0" hangingPunct="1">
-        <a:defRPr sz="1800" kern="1200">
+      <a:lvl3pPr algn="l" defTabSz="342900" eaLnBrk="1" hangingPunct="1" latinLnBrk="0" marL="685800" rtl="0">
+        <a:defRPr kern="1200" sz="1350">
           <a:solidFill>
             <a:schemeClr val="tx1"/>
           </a:solidFill>
@@ -3033,8 +3015,8 @@
           <a:cs typeface="+mn-cs"/>
         </a:defRPr>
       </a:lvl3pPr>
-      <a:lvl4pPr marL="1371600" algn="l" defTabSz="457200" rtl="0" eaLnBrk="1" latinLnBrk="0" hangingPunct="1">
-        <a:defRPr sz="1800" kern="1200">
+      <a:lvl4pPr algn="l" defTabSz="342900" eaLnBrk="1" hangingPunct="1" latinLnBrk="0" marL="1028700" rtl="0">
+        <a:defRPr kern="1200" sz="1350">
           <a:solidFill>
             <a:schemeClr val="tx1"/>
           </a:solidFill>
@@ -3043,8 +3025,8 @@
           <a:cs typeface="+mn-cs"/>
         </a:defRPr>
       </a:lvl4pPr>
-      <a:lvl5pPr marL="1828800" algn="l" defTabSz="457200" rtl="0" eaLnBrk="1" latinLnBrk="0" hangingPunct="1">
-        <a:defRPr sz="1800" kern="1200">
+      <a:lvl5pPr algn="l" defTabSz="342900" eaLnBrk="1" hangingPunct="1" latinLnBrk="0" marL="1371600" rtl="0">
+        <a:defRPr kern="1200" sz="1350">
           <a:solidFill>
             <a:schemeClr val="tx1"/>
           </a:solidFill>
@@ -3053,8 +3035,8 @@
           <a:cs typeface="+mn-cs"/>
         </a:defRPr>
       </a:lvl5pPr>
-      <a:lvl6pPr marL="2286000" algn="l" defTabSz="457200" rtl="0" eaLnBrk="1" latinLnBrk="0" hangingPunct="1">
-        <a:defRPr sz="1800" kern="1200">
+      <a:lvl6pPr algn="l" defTabSz="342900" eaLnBrk="1" hangingPunct="1" latinLnBrk="0" marL="1714500" rtl="0">
+        <a:defRPr kern="1200" sz="1350">
           <a:solidFill>
             <a:schemeClr val="tx1"/>
           </a:solidFill>
@@ -3063,8 +3045,8 @@
           <a:cs typeface="+mn-cs"/>
         </a:defRPr>
       </a:lvl6pPr>
-      <a:lvl7pPr marL="2743200" algn="l" defTabSz="457200" rtl="0" eaLnBrk="1" latinLnBrk="0" hangingPunct="1">
-        <a:defRPr sz="1800" kern="1200">
+      <a:lvl7pPr algn="l" defTabSz="342900" eaLnBrk="1" hangingPunct="1" latinLnBrk="0" marL="2057400" rtl="0">
+        <a:defRPr kern="1200" sz="1350">
           <a:solidFill>
             <a:schemeClr val="tx1"/>
           </a:solidFill>
@@ -3073,8 +3055,8 @@
           <a:cs typeface="+mn-cs"/>
         </a:defRPr>
       </a:lvl7pPr>
-      <a:lvl8pPr marL="3200400" algn="l" defTabSz="457200" rtl="0" eaLnBrk="1" latinLnBrk="0" hangingPunct="1">
-        <a:defRPr sz="1800" kern="1200">
+      <a:lvl8pPr algn="l" defTabSz="342900" eaLnBrk="1" hangingPunct="1" latinLnBrk="0" marL="2400300" rtl="0">
+        <a:defRPr kern="1200" sz="1350">
           <a:solidFill>
             <a:schemeClr val="tx1"/>
           </a:solidFill>
@@ -3083,8 +3065,8 @@
           <a:cs typeface="+mn-cs"/>
         </a:defRPr>
       </a:lvl8pPr>
-      <a:lvl9pPr marL="3657600" algn="l" defTabSz="457200" rtl="0" eaLnBrk="1" latinLnBrk="0" hangingPunct="1">
-        <a:defRPr sz="1800" kern="1200">
+      <a:lvl9pPr algn="l" defTabSz="342900" eaLnBrk="1" hangingPunct="1" latinLnBrk="0" marL="2743200" rtl="0">
+        <a:defRPr kern="1200" sz="1350">
           <a:solidFill>
             <a:schemeClr val="tx1"/>
           </a:solidFill>
@@ -3127,60 +3109,20 @@
         </p:nvSpPr>
         <p:spPr>
           <a:xfrm>
-            <a:off x="685800" y="2130425"/>
-            <a:ext cx="7772400" cy="1470025"/>
+            <a:off x="685800" y="1597819"/>
+            <a:ext cx="7772400" cy="1102519"/>
           </a:xfrm>
         </p:spPr>
         <p:txBody>
           <a:bodyPr/>
           <a:lstStyle/>
           <a:p>
-            <a:pPr lvl="0" marL="0" indent="0">
+            <a:pPr lvl="0" indent="0" marL="0">
               <a:buNone/>
             </a:pPr>
             <a:r>
               <a:rPr/>
-              <a:t>Need</a:t>
-            </a:r>
-            <a:r>
-              <a:rPr/>
-              <a:t> </a:t>
-            </a:r>
-            <a:r>
-              <a:rPr/>
-              <a:t>for</a:t>
-            </a:r>
-            <a:r>
-              <a:rPr/>
-              <a:t> </a:t>
-            </a:r>
-            <a:r>
-              <a:rPr/>
-              <a:t>Linear</a:t>
-            </a:r>
-            <a:r>
-              <a:rPr/>
-              <a:t> </a:t>
-            </a:r>
-            <a:r>
-              <a:rPr/>
-              <a:t>mixed</a:t>
-            </a:r>
-            <a:r>
-              <a:rPr/>
-              <a:t> </a:t>
-            </a:r>
-            <a:r>
-              <a:rPr/>
-              <a:t>effect</a:t>
-            </a:r>
-            <a:r>
-              <a:rPr/>
-              <a:t> </a:t>
-            </a:r>
-            <a:r>
-              <a:rPr/>
-              <a:t>model</a:t>
+              <a:t>Need for Linear mixed effect model</a:t>
             </a:r>
           </a:p>
         </p:txBody>
@@ -3197,30 +3139,22 @@
         </p:nvSpPr>
         <p:spPr>
           <a:xfrm>
-            <a:off x="1371600" y="3886200"/>
-            <a:ext cx="6400800" cy="1752600"/>
+            <a:off x="1371600" y="2914650"/>
+            <a:ext cx="6400800" cy="1314450"/>
           </a:xfrm>
         </p:spPr>
         <p:txBody>
           <a:bodyPr/>
           <a:lstStyle/>
           <a:p>
-            <a:pPr lvl="0" marL="0" indent="0">
+            <a:pPr lvl="0" indent="0" marL="0">
               <a:buNone/>
             </a:pPr>
             <a:br/>
             <a:br/>
             <a:r>
               <a:rPr/>
-              <a:t>Chandan</a:t>
-            </a:r>
-            <a:r>
-              <a:rPr/>
-              <a:t> </a:t>
-            </a:r>
-            <a:r>
-              <a:rPr/>
-              <a:t>Pandey</a:t>
+              <a:t>Chandan Pandey</a:t>
             </a:r>
           </a:p>
         </p:txBody>
@@ -3240,7 +3174,7 @@
           <a:bodyPr/>
           <a:lstStyle/>
           <a:p>
-            <a:pPr lvl="0" marL="0" indent="0">
+            <a:pPr lvl="0" indent="0" marL="0">
               <a:buNone/>
             </a:pPr>
             <a:r>
@@ -3287,44 +3221,12 @@
           <a:bodyPr/>
           <a:lstStyle/>
           <a:p>
-            <a:pPr lvl="0" marL="0" indent="0">
+            <a:pPr lvl="0" indent="0" marL="0">
               <a:buNone/>
             </a:pPr>
             <a:r>
               <a:rPr/>
-              <a:t>When</a:t>
-            </a:r>
-            <a:r>
-              <a:rPr/>
-              <a:t> </a:t>
-            </a:r>
-            <a:r>
-              <a:rPr/>
-              <a:t>do</a:t>
-            </a:r>
-            <a:r>
-              <a:rPr/>
-              <a:t> </a:t>
-            </a:r>
-            <a:r>
-              <a:rPr/>
-              <a:t>we</a:t>
-            </a:r>
-            <a:r>
-              <a:rPr/>
-              <a:t> </a:t>
-            </a:r>
-            <a:r>
-              <a:rPr/>
-              <a:t>need</a:t>
-            </a:r>
-            <a:r>
-              <a:rPr/>
-              <a:t> </a:t>
-            </a:r>
-            <a:r>
-              <a:rPr/>
-              <a:t>GLMM.</a:t>
+              <a:t>When do we need GLMM.</a:t>
             </a:r>
           </a:p>
         </p:txBody>
@@ -3346,14 +3248,14 @@
               <a:bodyPr/>
               <a:lstStyle/>
               <a:p>
-                <a:pPr lvl="1"/>
+                <a:pPr lvl="0"/>
                 <a:r>
                   <a:rPr/>
                   <a:t>Some data are very messy and complex.</a:t>
                 </a:r>
               </a:p>
               <a:p>
-                <a:pPr lvl="1"/>
+                <a:pPr lvl="0"/>
                 <a:r>
                   <a:rPr/>
                   <a:t>eg., effect of </a:t>
@@ -3380,42 +3282,42 @@
                 </a:r>
               </a:p>
               <a:p>
-                <a:pPr lvl="2"/>
+                <a:pPr lvl="1"/>
                 <a:r>
                   <a:rPr/>
                   <a:t>Species difference.</a:t>
                 </a:r>
               </a:p>
               <a:p>
-                <a:pPr lvl="2"/>
+                <a:pPr lvl="1"/>
                 <a:r>
                   <a:rPr/>
                   <a:t>Local Area variable.</a:t>
                 </a:r>
               </a:p>
               <a:p>
-                <a:pPr lvl="2"/>
+                <a:pPr lvl="1"/>
                 <a:r>
                   <a:rPr/>
                   <a:t>Species composition.</a:t>
                 </a:r>
               </a:p>
               <a:p>
-                <a:pPr lvl="2"/>
+                <a:pPr lvl="1"/>
                 <a:r>
                   <a:rPr/>
                   <a:t>Other Nutrient factors.</a:t>
                 </a:r>
               </a:p>
               <a:p>
-                <a:pPr lvl="2"/>
+                <a:pPr lvl="1"/>
                 <a:r>
                   <a:rPr/>
                   <a:t>And many many more.</a:t>
                 </a:r>
               </a:p>
               <a:p>
-                <a:pPr lvl="1"/>
+                <a:pPr lvl="0"/>
                 <a:r>
                   <a:rPr/>
                   <a:t>Impossible to account for all the predictors.</a:t>
@@ -3462,54 +3364,37 @@
           <a:bodyPr/>
           <a:lstStyle/>
           <a:p>
-            <a:pPr lvl="0" marL="0" indent="0">
+            <a:pPr lvl="0" indent="0" marL="0">
               <a:buNone/>
             </a:pPr>
             <a:r>
               <a:rPr/>
-              <a:t>Simpson’s</a:t>
-            </a:r>
+              <a:t>Simpson’s Paradox</a:t>
+            </a:r>
+          </a:p>
+        </p:txBody>
+      </p:sp>
+      <p:sp>
+        <p:nvSpPr>
+          <p:cNvPr id="3" name="Content Placeholder 2"/>
+          <p:cNvSpPr>
+            <a:spLocks noGrp="1"/>
+          </p:cNvSpPr>
+          <p:nvPr>
+            <p:ph idx="1"/>
+          </p:nvPr>
+        </p:nvSpPr>
+        <p:spPr/>
+        <p:txBody>
+          <a:bodyPr/>
+          <a:lstStyle/>
+          <a:p>
+            <a:pPr lvl="0" indent="0" marL="0">
+              <a:buNone/>
+            </a:pPr>
             <a:r>
               <a:rPr/>
-              <a:t> </a:t>
-            </a:r>
-            <a:r>
-              <a:rPr/>
-              <a:t>Paradox</a:t>
-            </a:r>
-          </a:p>
-        </p:txBody>
-      </p:sp>
-      <p:sp>
-        <p:nvSpPr>
-          <p:cNvPr id="3" name="Content Placeholder 2"/>
-          <p:cNvSpPr>
-            <a:spLocks noGrp="1"/>
-          </p:cNvSpPr>
-          <p:nvPr>
-            <p:ph idx="1"/>
-          </p:nvPr>
-        </p:nvSpPr>
-        <p:spPr/>
-        <p:txBody>
-          <a:bodyPr/>
-          <a:lstStyle/>
-          <a:p>
-            <a:pPr lvl="0" marL="0" indent="0">
-              <a:buNone/>
-            </a:pPr>
-            <a:r>
-              <a:rPr/>
-              <a:t>Let us check from the live example from the simulated dataset. </a:t>
-            </a:r>
-          </a:p>
-          <a:p>
-            <a:pPr lvl="0" marL="0" indent="0">
-              <a:buNone/>
-            </a:pPr>
-            <a:r>
-              <a:rPr/>
-              <a:t>#load(“C:/Users/chand/Documents/R-advance/Advance-R/data/dragons.RData”) - Bullet 1 - Bullet 2 - Bullet 3</a:t>
+              <a:t>What is your intuition about relation between X and Y ?</a:t>
             </a:r>
           </a:p>
         </p:txBody>
@@ -3551,58 +3436,101 @@
           <a:bodyPr/>
           <a:lstStyle/>
           <a:p>
-            <a:pPr lvl="0" marL="0" indent="0">
+            <a:pPr lvl="0" indent="0" marL="0">
               <a:buNone/>
             </a:pPr>
             <a:r>
               <a:rPr/>
-              <a:t>Slide</a:t>
-            </a:r>
-            <a:r>
-              <a:rPr/>
+              <a:t>Let plot this model with simple linear model</a:t>
+            </a:r>
+          </a:p>
+        </p:txBody>
+      </p:sp>
+      <p:sp>
+        <p:nvSpPr>
+          <p:cNvPr id="3" name="Content Placeholder 2"/>
+          <p:cNvSpPr>
+            <a:spLocks noGrp="1"/>
+          </p:cNvSpPr>
+          <p:nvPr>
+            <p:ph idx="1"/>
+          </p:nvPr>
+        </p:nvSpPr>
+        <p:spPr/>
+        <p:txBody>
+          <a:bodyPr/>
+          <a:lstStyle/>
+          <a:p>
+            <a:pPr lvl="0" indent="0">
+              <a:buNone/>
+            </a:pPr>
+            <a:r>
+              <a:rPr>
+                <a:latin typeface="Courier"/>
+              </a:rPr>
+              <a:t>mod_simple_lm </a:t>
+            </a:r>
+            <a:r>
+              <a:rPr>
+                <a:solidFill>
+                  <a:srgbClr val="007020"/>
+                </a:solidFill>
+                <a:latin typeface="Courier"/>
+              </a:rPr>
+              <a:t>&lt;-</a:t>
+            </a:r>
+            <a:r>
+              <a:rPr>
+                <a:latin typeface="Courier"/>
+              </a:rPr>
               <a:t> </a:t>
             </a:r>
             <a:r>
-              <a:rPr/>
-              <a:t>with</a:t>
-            </a:r>
-            <a:r>
-              <a:rPr/>
-              <a:t> </a:t>
-            </a:r>
-            <a:r>
-              <a:rPr/>
-              <a:t>R</a:t>
-            </a:r>
-            <a:r>
-              <a:rPr/>
-              <a:t> </a:t>
-            </a:r>
-            <a:r>
-              <a:rPr/>
-              <a:t>Output</a:t>
-            </a:r>
-          </a:p>
-        </p:txBody>
-      </p:sp>
-      <p:sp>
-        <p:nvSpPr>
-          <p:cNvPr id="3" name="Content Placeholder 2"/>
-          <p:cNvSpPr>
-            <a:spLocks noGrp="1"/>
-          </p:cNvSpPr>
-          <p:nvPr>
-            <p:ph idx="1"/>
-          </p:nvPr>
-        </p:nvSpPr>
-        <p:spPr/>
-        <p:txBody>
-          <a:bodyPr/>
-          <a:lstStyle/>
-          <a:p>
-            <a:pPr lvl="0" indent="0">
-              <a:buNone/>
-            </a:pPr>
+              <a:rPr>
+                <a:solidFill>
+                  <a:srgbClr val="06287E"/>
+                </a:solidFill>
+                <a:latin typeface="Courier"/>
+              </a:rPr>
+              <a:t>lm</a:t>
+            </a:r>
+            <a:r>
+              <a:rPr>
+                <a:latin typeface="Courier"/>
+              </a:rPr>
+              <a:t>(y</a:t>
+            </a:r>
+            <a:r>
+              <a:rPr>
+                <a:solidFill>
+                  <a:srgbClr val="4070A0"/>
+                </a:solidFill>
+                <a:latin typeface="Courier"/>
+              </a:rPr>
+              <a:t>~</a:t>
+            </a:r>
+            <a:r>
+              <a:rPr>
+                <a:latin typeface="Courier"/>
+              </a:rPr>
+              <a:t>x,</a:t>
+            </a:r>
+            <a:r>
+              <a:rPr>
+                <a:solidFill>
+                  <a:srgbClr val="7D9029"/>
+                </a:solidFill>
+                <a:latin typeface="Courier"/>
+              </a:rPr>
+              <a:t>data =</a:t>
+            </a:r>
+            <a:r>
+              <a:rPr>
+                <a:latin typeface="Courier"/>
+              </a:rPr>
+              <a:t> simps_para)</a:t>
+            </a:r>
+            <a:br/>
             <a:r>
               <a:rPr>
                 <a:solidFill>
@@ -3616,36 +3544,36 @@
               <a:rPr>
                 <a:latin typeface="Courier"/>
               </a:rPr>
-              <a:t>(cars)</a:t>
-            </a:r>
-          </a:p>
-          <a:p>
-            <a:pPr lvl="0" indent="0">
-              <a:buNone/>
-            </a:pPr>
+              <a:t>(mod_simple_lm)[</a:t>
+            </a:r>
+            <a:r>
+              <a:rPr>
+                <a:solidFill>
+                  <a:srgbClr val="40A070"/>
+                </a:solidFill>
+                <a:latin typeface="Courier"/>
+              </a:rPr>
+              <a:t>4</a:t>
+            </a:r>
             <a:r>
               <a:rPr>
                 <a:latin typeface="Courier"/>
               </a:rPr>
-              <a:t>##      speed           dist       
-##  Min.   : 4.0   Min.   :  2.00  
-##  1st Qu.:12.0   1st Qu.: 26.00  
-##  Median :15.0   Median : 36.00  
-##  Mean   :15.4   Mean   : 42.98  
-##  3rd Qu.:19.0   3rd Qu.: 56.00  
-##  Max.   :25.0   Max.   :120.00</a:t>
-            </a:r>
-          </a:p>
-          <a:p>
-            <a:pPr lvl="0" marL="0" indent="0">
-              <a:spcBef>
-                <a:spcPts val="3000"/>
-              </a:spcBef>
+              <a:t>]</a:t>
+            </a:r>
+          </a:p>
+          <a:p>
+            <a:pPr lvl="0" indent="0">
               <a:buNone/>
             </a:pPr>
             <a:r>
-              <a:rPr b="1"/>
-              <a:t>Slide with Plot</a:t>
+              <a:rPr>
+                <a:latin typeface="Courier"/>
+              </a:rPr>
+              <a:t>## $coefficients
+##               Estimate Std. Error   t value      Pr(&gt;|t|)
+## (Intercept) 411.185039  11.185541 36.760406 9.703293e-113
+## x            -2.042961   0.357769 -5.710279  2.727634e-08</a:t>
             </a:r>
           </a:p>
         </p:txBody>
@@ -3672,6 +3600,302 @@
           <a:chExt cx="0" cy="0"/>
         </a:xfrm>
       </p:grpSpPr>
+      <p:sp>
+        <p:nvSpPr>
+          <p:cNvPr id="2" name="Title 1"/>
+          <p:cNvSpPr>
+            <a:spLocks noGrp="1"/>
+          </p:cNvSpPr>
+          <p:nvPr>
+            <p:ph type="title"/>
+          </p:nvPr>
+        </p:nvSpPr>
+        <p:spPr/>
+        <p:txBody>
+          <a:bodyPr/>
+          <a:lstStyle/>
+          <a:p>
+            <a:pPr lvl="0" indent="0" marL="0">
+              <a:buNone/>
+            </a:pPr>
+            <a:r>
+              <a:rPr/>
+              <a:t>Let plot this model with simple linear model</a:t>
+            </a:r>
+          </a:p>
+        </p:txBody>
+      </p:sp>
+      <p:pic>
+        <p:nvPicPr>
+          <p:cNvPr descr="day1_files/figure-pptx/simple%20model%20val-1.png" id="0" name="Picture 1"/>
+          <p:cNvPicPr>
+            <a:picLocks noGrp="1" noChangeAspect="1"/>
+          </p:cNvPicPr>
+          <p:nvPr/>
+        </p:nvPicPr>
+        <p:blipFill>
+          <a:blip r:embed="rId2"/>
+          <a:stretch>
+            <a:fillRect/>
+          </a:stretch>
+        </p:blipFill>
+        <p:spPr bwMode="auto">
+          <a:xfrm>
+            <a:off x="2451100" y="1193800"/>
+            <a:ext cx="4241800" cy="3390900"/>
+          </a:xfrm>
+          <a:prstGeom prst="rect">
+            <a:avLst/>
+          </a:prstGeom>
+          <a:noFill/>
+          <a:ln w="9525">
+            <a:noFill/>
+            <a:headEnd/>
+            <a:tailEnd/>
+          </a:ln>
+        </p:spPr>
+      </p:pic>
+    </p:spTree>
+  </p:cSld>
+</p:sld>
+</file>
+
+<file path=ppt/slides/slide6.xml><?xml version="1.0" encoding="utf-8"?>
+<p:sld xmlns:a="http://schemas.openxmlformats.org/drawingml/2006/main" xmlns:r="http://schemas.openxmlformats.org/officeDocument/2006/relationships" xmlns:p="http://schemas.openxmlformats.org/presentationml/2006/main">
+  <p:cSld>
+    <p:spTree>
+      <p:nvGrpSpPr>
+        <p:cNvPr id="1" name=""/>
+        <p:cNvGrpSpPr/>
+        <p:nvPr/>
+      </p:nvGrpSpPr>
+      <p:grpSpPr>
+        <a:xfrm>
+          <a:off x="0" y="0"/>
+          <a:ext cx="0" cy="0"/>
+          <a:chOff x="0" y="0"/>
+          <a:chExt cx="0" cy="0"/>
+        </a:xfrm>
+      </p:grpSpPr>
+      <p:sp>
+        <p:nvSpPr>
+          <p:cNvPr id="2" name="Title 1"/>
+          <p:cNvSpPr>
+            <a:spLocks noGrp="1"/>
+          </p:cNvSpPr>
+          <p:nvPr>
+            <p:ph type="title"/>
+          </p:nvPr>
+        </p:nvSpPr>
+        <p:spPr/>
+        <p:txBody>
+          <a:bodyPr/>
+          <a:lstStyle/>
+          <a:p>
+            <a:pPr lvl="0" indent="0" marL="0">
+              <a:buNone/>
+            </a:pPr>
+            <a:r>
+              <a:rPr/>
+              <a:t>Let plot this model with simple linear model</a:t>
+            </a:r>
+          </a:p>
+        </p:txBody>
+      </p:sp>
+      <p:pic>
+        <p:nvPicPr>
+          <p:cNvPr descr="day1_files/figure-pptx/simple%20model%20plot-1.png" id="0" name="Picture 1"/>
+          <p:cNvPicPr>
+            <a:picLocks noGrp="1" noChangeAspect="1"/>
+          </p:cNvPicPr>
+          <p:nvPr/>
+        </p:nvPicPr>
+        <p:blipFill>
+          <a:blip r:embed="rId2"/>
+          <a:stretch>
+            <a:fillRect/>
+          </a:stretch>
+        </p:blipFill>
+        <p:spPr bwMode="auto">
+          <a:xfrm>
+            <a:off x="2451100" y="1193800"/>
+            <a:ext cx="4241800" cy="3390900"/>
+          </a:xfrm>
+          <a:prstGeom prst="rect">
+            <a:avLst/>
+          </a:prstGeom>
+          <a:noFill/>
+          <a:ln w="9525">
+            <a:noFill/>
+            <a:headEnd/>
+            <a:tailEnd/>
+          </a:ln>
+        </p:spPr>
+      </p:pic>
+    </p:spTree>
+  </p:cSld>
+</p:sld>
+</file>
+
+<file path=ppt/slides/slide7.xml><?xml version="1.0" encoding="utf-8"?>
+<p:sld xmlns:a="http://schemas.openxmlformats.org/drawingml/2006/main" xmlns:r="http://schemas.openxmlformats.org/officeDocument/2006/relationships" xmlns:p="http://schemas.openxmlformats.org/presentationml/2006/main">
+  <p:cSld>
+    <p:spTree>
+      <p:nvGrpSpPr>
+        <p:cNvPr id="1" name=""/>
+        <p:cNvGrpSpPr/>
+        <p:nvPr/>
+      </p:nvGrpSpPr>
+      <p:grpSpPr>
+        <a:xfrm>
+          <a:off x="0" y="0"/>
+          <a:ext cx="0" cy="0"/>
+          <a:chOff x="0" y="0"/>
+          <a:chExt cx="0" cy="0"/>
+        </a:xfrm>
+      </p:grpSpPr>
+      <p:sp>
+        <p:nvSpPr>
+          <p:cNvPr id="3" name="Content Placeholder 2"/>
+          <p:cNvSpPr>
+            <a:spLocks noGrp="1"/>
+          </p:cNvSpPr>
+          <p:nvPr>
+            <p:ph idx="1"/>
+          </p:nvPr>
+        </p:nvSpPr>
+        <p:spPr/>
+        <p:txBody>
+          <a:bodyPr/>
+          <a:lstStyle/>
+          <a:p>
+            <a:pPr lvl="0" indent="0" marL="0">
+              <a:buNone/>
+            </a:pPr>
+            <a:r>
+              <a:rPr/>
+              <a:t> #load(“C:/Users/chand/Documents/R-advance/Advance-R/data/dragons.RData”) - Bullet 1 - Bullet 2 - Bullet 3</a:t>
+            </a:r>
+          </a:p>
+        </p:txBody>
+      </p:sp>
+    </p:spTree>
+  </p:cSld>
+</p:sld>
+</file>
+
+<file path=ppt/slides/slide8.xml><?xml version="1.0" encoding="utf-8"?>
+<p:sld xmlns:a="http://schemas.openxmlformats.org/drawingml/2006/main" xmlns:r="http://schemas.openxmlformats.org/officeDocument/2006/relationships" xmlns:p="http://schemas.openxmlformats.org/presentationml/2006/main">
+  <p:cSld>
+    <p:spTree>
+      <p:nvGrpSpPr>
+        <p:cNvPr id="1" name=""/>
+        <p:cNvGrpSpPr/>
+        <p:nvPr/>
+      </p:nvGrpSpPr>
+      <p:grpSpPr>
+        <a:xfrm>
+          <a:off x="0" y="0"/>
+          <a:ext cx="0" cy="0"/>
+          <a:chOff x="0" y="0"/>
+          <a:chExt cx="0" cy="0"/>
+        </a:xfrm>
+      </p:grpSpPr>
+      <p:sp>
+        <p:nvSpPr>
+          <p:cNvPr id="2" name="Title 1"/>
+          <p:cNvSpPr>
+            <a:spLocks noGrp="1"/>
+          </p:cNvSpPr>
+          <p:nvPr>
+            <p:ph type="title"/>
+          </p:nvPr>
+        </p:nvSpPr>
+        <p:spPr>
+          <a:xfrm>
+            <a:off x="457201" y="204787"/>
+            <a:ext cx="3008313" cy="871538"/>
+          </a:xfrm>
+        </p:spPr>
+        <p:txBody>
+          <a:bodyPr/>
+          <a:lstStyle/>
+          <a:p>
+            <a:pPr lvl="0" indent="0" marL="0">
+              <a:buNone/>
+            </a:pPr>
+            <a:r>
+              <a:rPr/>
+              <a:t>Slide with R Output</a:t>
+            </a:r>
+          </a:p>
+        </p:txBody>
+      </p:sp>
+      <p:sp>
+        <p:nvSpPr>
+          <p:cNvPr id="4" name="Text Placeholder 3"/>
+          <p:cNvSpPr>
+            <a:spLocks noGrp="1"/>
+          </p:cNvSpPr>
+          <p:nvPr>
+            <p:ph idx="2" sz="half" type="body"/>
+          </p:nvPr>
+        </p:nvSpPr>
+        <p:spPr/>
+        <p:txBody>
+          <a:bodyPr/>
+          <a:lstStyle/>
+          <a:p>
+            <a:pPr lvl="0" indent="0">
+              <a:buNone/>
+            </a:pPr>
+            <a:r>
+              <a:rPr>
+                <a:solidFill>
+                  <a:srgbClr val="06287E"/>
+                </a:solidFill>
+                <a:latin typeface="Courier"/>
+              </a:rPr>
+              <a:t>summary</a:t>
+            </a:r>
+            <a:r>
+              <a:rPr>
+                <a:latin typeface="Courier"/>
+              </a:rPr>
+              <a:t>(cars)</a:t>
+            </a:r>
+          </a:p>
+          <a:p>
+            <a:pPr lvl="0" indent="0">
+              <a:buNone/>
+            </a:pPr>
+            <a:r>
+              <a:rPr>
+                <a:latin typeface="Courier"/>
+              </a:rPr>
+              <a:t>##      speed           dist       
+##  Min.   : 4.0   Min.   :  2.00  
+##  1st Qu.:12.0   1st Qu.: 26.00  
+##  Median :15.0   Median : 36.00  
+##  Mean   :15.4   Mean   : 42.98  
+##  3rd Qu.:19.0   3rd Qu.: 56.00  
+##  Max.   :25.0   Max.   :120.00</a:t>
+            </a:r>
+          </a:p>
+          <a:p>
+            <a:pPr lvl="0" indent="0" marL="0">
+              <a:spcBef>
+                <a:spcPts val="3000"/>
+              </a:spcBef>
+              <a:buNone/>
+            </a:pPr>
+            <a:r>
+              <a:rPr b="1"/>
+              <a:t>Slide with Plot</a:t>
+            </a:r>
+          </a:p>
+        </p:txBody>
+      </p:sp>
       <p:pic>
         <p:nvPicPr>
           <p:cNvPr descr="day1_files/figure-pptx/pressure-1.png" id="0" name="Picture 1"/>
@@ -3688,8 +3912,8 @@
         </p:blipFill>
         <p:spPr bwMode="auto">
           <a:xfrm>
-            <a:off x="1752600" y="1600200"/>
-            <a:ext cx="5651500" cy="4521200"/>
+            <a:off x="3568700" y="355600"/>
+            <a:ext cx="5105400" cy="4089400"/>
           </a:xfrm>
           <a:prstGeom prst="rect">
             <a:avLst/>
@@ -4025,4 +4249,265 @@
   </a:objectDefaults>
   <a:extraClrSchemeLst/>
 </a:theme>
+</file>
+
+<file path=ppt/theme/theme2.xml><?xml version="1.0" encoding="utf-8"?>
+<a:theme xmlns:a="http://schemas.openxmlformats.org/drawingml/2006/main" name="Office Theme">
+  <a:themeElements>
+    <a:clrScheme name="Office">
+      <a:dk1>
+        <a:sysClr val="windowText" lastClr="000000"/>
+      </a:dk1>
+      <a:lt1>
+        <a:sysClr val="window" lastClr="FFFFFF"/>
+      </a:lt1>
+      <a:dk2>
+        <a:srgbClr val="44546A"/>
+      </a:dk2>
+      <a:lt2>
+        <a:srgbClr val="E7E6E6"/>
+      </a:lt2>
+      <a:accent1>
+        <a:srgbClr val="5B9BD5"/>
+      </a:accent1>
+      <a:accent2>
+        <a:srgbClr val="ED7D31"/>
+      </a:accent2>
+      <a:accent3>
+        <a:srgbClr val="A5A5A5"/>
+      </a:accent3>
+      <a:accent4>
+        <a:srgbClr val="FFC000"/>
+      </a:accent4>
+      <a:accent5>
+        <a:srgbClr val="4472C4"/>
+      </a:accent5>
+      <a:accent6>
+        <a:srgbClr val="70AD47"/>
+      </a:accent6>
+      <a:hlink>
+        <a:srgbClr val="0563C1"/>
+      </a:hlink>
+      <a:folHlink>
+        <a:srgbClr val="954F72"/>
+      </a:folHlink>
+    </a:clrScheme>
+    <a:fontScheme name="Office">
+      <a:majorFont>
+        <a:latin typeface="Calibri Light" panose="020F0302020204030204"/>
+        <a:ea typeface=""/>
+        <a:cs typeface=""/>
+        <a:font script="Jpan" typeface="ＭＳ Ｐゴシック"/>
+        <a:font script="Hang" typeface="맑은 고딕"/>
+        <a:font script="Hans" typeface="宋体"/>
+        <a:font script="Hant" typeface="新細明體"/>
+        <a:font script="Arab" typeface="Times New Roman"/>
+        <a:font script="Hebr" typeface="Times New Roman"/>
+        <a:font script="Thai" typeface="Angsana New"/>
+        <a:font script="Ethi" typeface="Nyala"/>
+        <a:font script="Beng" typeface="Vrinda"/>
+        <a:font script="Gujr" typeface="Shruti"/>
+        <a:font script="Khmr" typeface="MoolBoran"/>
+        <a:font script="Knda" typeface="Tunga"/>
+        <a:font script="Guru" typeface="Raavi"/>
+        <a:font script="Cans" typeface="Euphemia"/>
+        <a:font script="Cher" typeface="Plantagenet Cherokee"/>
+        <a:font script="Yiii" typeface="Microsoft Yi Baiti"/>
+        <a:font script="Tibt" typeface="Microsoft Himalaya"/>
+        <a:font script="Thaa" typeface="MV Boli"/>
+        <a:font script="Deva" typeface="Mangal"/>
+        <a:font script="Telu" typeface="Gautami"/>
+        <a:font script="Taml" typeface="Latha"/>
+        <a:font script="Syrc" typeface="Estrangelo Edessa"/>
+        <a:font script="Orya" typeface="Kalinga"/>
+        <a:font script="Mlym" typeface="Kartika"/>
+        <a:font script="Laoo" typeface="DokChampa"/>
+        <a:font script="Sinh" typeface="Iskoola Pota"/>
+        <a:font script="Mong" typeface="Mongolian Baiti"/>
+        <a:font script="Viet" typeface="Times New Roman"/>
+        <a:font script="Uigh" typeface="Microsoft Uighur"/>
+        <a:font script="Geor" typeface="Sylfaen"/>
+      </a:majorFont>
+      <a:minorFont>
+        <a:latin typeface="Calibri" panose="020F0502020204030204"/>
+        <a:ea typeface=""/>
+        <a:cs typeface=""/>
+        <a:font script="Jpan" typeface="ＭＳ Ｐゴシック"/>
+        <a:font script="Hang" typeface="맑은 고딕"/>
+        <a:font script="Hans" typeface="宋体"/>
+        <a:font script="Hant" typeface="新細明體"/>
+        <a:font script="Arab" typeface="Arial"/>
+        <a:font script="Hebr" typeface="Arial"/>
+        <a:font script="Thai" typeface="Cordia New"/>
+        <a:font script="Ethi" typeface="Nyala"/>
+        <a:font script="Beng" typeface="Vrinda"/>
+        <a:font script="Gujr" typeface="Shruti"/>
+        <a:font script="Khmr" typeface="DaunPenh"/>
+        <a:font script="Knda" typeface="Tunga"/>
+        <a:font script="Guru" typeface="Raavi"/>
+        <a:font script="Cans" typeface="Euphemia"/>
+        <a:font script="Cher" typeface="Plantagenet Cherokee"/>
+        <a:font script="Yiii" typeface="Microsoft Yi Baiti"/>
+        <a:font script="Tibt" typeface="Microsoft Himalaya"/>
+        <a:font script="Thaa" typeface="MV Boli"/>
+        <a:font script="Deva" typeface="Mangal"/>
+        <a:font script="Telu" typeface="Gautami"/>
+        <a:font script="Taml" typeface="Latha"/>
+        <a:font script="Syrc" typeface="Estrangelo Edessa"/>
+        <a:font script="Orya" typeface="Kalinga"/>
+        <a:font script="Mlym" typeface="Kartika"/>
+        <a:font script="Laoo" typeface="DokChampa"/>
+        <a:font script="Sinh" typeface="Iskoola Pota"/>
+        <a:font script="Mong" typeface="Mongolian Baiti"/>
+        <a:font script="Viet" typeface="Arial"/>
+        <a:font script="Uigh" typeface="Microsoft Uighur"/>
+        <a:font script="Geor" typeface="Sylfaen"/>
+      </a:minorFont>
+    </a:fontScheme>
+    <a:fmtScheme name="Office">
+      <a:fillStyleLst>
+        <a:solidFill>
+          <a:schemeClr val="phClr"/>
+        </a:solidFill>
+        <a:gradFill rotWithShape="1">
+          <a:gsLst>
+            <a:gs pos="0">
+              <a:schemeClr val="phClr">
+                <a:lumMod val="110000"/>
+                <a:satMod val="105000"/>
+                <a:tint val="67000"/>
+              </a:schemeClr>
+            </a:gs>
+            <a:gs pos="50000">
+              <a:schemeClr val="phClr">
+                <a:lumMod val="105000"/>
+                <a:satMod val="103000"/>
+                <a:tint val="73000"/>
+              </a:schemeClr>
+            </a:gs>
+            <a:gs pos="100000">
+              <a:schemeClr val="phClr">
+                <a:lumMod val="105000"/>
+                <a:satMod val="109000"/>
+                <a:tint val="81000"/>
+              </a:schemeClr>
+            </a:gs>
+          </a:gsLst>
+          <a:lin ang="5400000" scaled="0"/>
+        </a:gradFill>
+        <a:gradFill rotWithShape="1">
+          <a:gsLst>
+            <a:gs pos="0">
+              <a:schemeClr val="phClr">
+                <a:satMod val="103000"/>
+                <a:lumMod val="102000"/>
+                <a:tint val="94000"/>
+              </a:schemeClr>
+            </a:gs>
+            <a:gs pos="50000">
+              <a:schemeClr val="phClr">
+                <a:satMod val="110000"/>
+                <a:lumMod val="100000"/>
+                <a:shade val="100000"/>
+              </a:schemeClr>
+            </a:gs>
+            <a:gs pos="100000">
+              <a:schemeClr val="phClr">
+                <a:lumMod val="99000"/>
+                <a:satMod val="120000"/>
+                <a:shade val="78000"/>
+              </a:schemeClr>
+            </a:gs>
+          </a:gsLst>
+          <a:lin ang="5400000" scaled="0"/>
+        </a:gradFill>
+      </a:fillStyleLst>
+      <a:lnStyleLst>
+        <a:ln w="6350" cap="flat" cmpd="sng" algn="ctr">
+          <a:solidFill>
+            <a:schemeClr val="phClr"/>
+          </a:solidFill>
+          <a:prstDash val="solid"/>
+          <a:miter lim="800000"/>
+        </a:ln>
+        <a:ln w="12700" cap="flat" cmpd="sng" algn="ctr">
+          <a:solidFill>
+            <a:schemeClr val="phClr"/>
+          </a:solidFill>
+          <a:prstDash val="solid"/>
+          <a:miter lim="800000"/>
+        </a:ln>
+        <a:ln w="19050" cap="flat" cmpd="sng" algn="ctr">
+          <a:solidFill>
+            <a:schemeClr val="phClr"/>
+          </a:solidFill>
+          <a:prstDash val="solid"/>
+          <a:miter lim="800000"/>
+        </a:ln>
+      </a:lnStyleLst>
+      <a:effectStyleLst>
+        <a:effectStyle>
+          <a:effectLst/>
+        </a:effectStyle>
+        <a:effectStyle>
+          <a:effectLst/>
+        </a:effectStyle>
+        <a:effectStyle>
+          <a:effectLst>
+            <a:outerShdw blurRad="57150" dist="19050" dir="5400000" algn="ctr" rotWithShape="0">
+              <a:srgbClr val="000000">
+                <a:alpha val="63000"/>
+              </a:srgbClr>
+            </a:outerShdw>
+          </a:effectLst>
+        </a:effectStyle>
+      </a:effectStyleLst>
+      <a:bgFillStyleLst>
+        <a:solidFill>
+          <a:schemeClr val="phClr"/>
+        </a:solidFill>
+        <a:solidFill>
+          <a:schemeClr val="phClr">
+            <a:tint val="95000"/>
+            <a:satMod val="170000"/>
+          </a:schemeClr>
+        </a:solidFill>
+        <a:gradFill rotWithShape="1">
+          <a:gsLst>
+            <a:gs pos="0">
+              <a:schemeClr val="phClr">
+                <a:tint val="93000"/>
+                <a:satMod val="150000"/>
+                <a:shade val="98000"/>
+                <a:lumMod val="102000"/>
+              </a:schemeClr>
+            </a:gs>
+            <a:gs pos="50000">
+              <a:schemeClr val="phClr">
+                <a:tint val="98000"/>
+                <a:satMod val="130000"/>
+                <a:shade val="90000"/>
+                <a:lumMod val="103000"/>
+              </a:schemeClr>
+            </a:gs>
+            <a:gs pos="100000">
+              <a:schemeClr val="phClr">
+                <a:shade val="63000"/>
+                <a:satMod val="120000"/>
+              </a:schemeClr>
+            </a:gs>
+          </a:gsLst>
+          <a:lin ang="5400000" scaled="0"/>
+        </a:gradFill>
+      </a:bgFillStyleLst>
+    </a:fmtScheme>
+  </a:themeElements>
+  <a:objectDefaults/>
+  <a:extraClrSchemeLst/>
+  <a:extLst>
+    <a:ext uri="{05A4C25C-085E-4340-85A3-A5531E510DB2}">
+      <thm15:themeFamily xmlns:thm15="http://schemas.microsoft.com/office/thememl/2012/main" name="Office Theme" id="{62F939B6-93AF-4DB8-9C6B-D6C7DFDC589F}" vid="{4A3C46E8-61CC-4603-A589-7422A47A8E4A}"/>
+    </a:ext>
+  </a:extLst>
+</a:theme>
 </file>